--- a/Step08-Kubernetes_speach.pptx
+++ b/Step08-Kubernetes_speach.pptx
@@ -5,7 +5,7 @@
     <p:sldMasterId id="2147483648" r:id="rId1"/>
   </p:sldMasterIdLst>
   <p:notesMasterIdLst>
-    <p:notesMasterId r:id="rId20"/>
+    <p:notesMasterId r:id="rId24"/>
   </p:notesMasterIdLst>
   <p:sldIdLst>
     <p:sldId id="307" r:id="rId2"/>
@@ -26,6 +26,10 @@
     <p:sldId id="320" r:id="rId17"/>
     <p:sldId id="317" r:id="rId18"/>
     <p:sldId id="321" r:id="rId19"/>
+    <p:sldId id="322" r:id="rId20"/>
+    <p:sldId id="324" r:id="rId21"/>
+    <p:sldId id="325" r:id="rId22"/>
+    <p:sldId id="326" r:id="rId23"/>
   </p:sldIdLst>
   <p:sldSz cx="12192000" cy="6858000"/>
   <p:notesSz cx="6858000" cy="9144000"/>
@@ -151,6 +155,10 @@
             <p14:sldId id="320"/>
             <p14:sldId id="317"/>
             <p14:sldId id="321"/>
+            <p14:sldId id="322"/>
+            <p14:sldId id="324"/>
+            <p14:sldId id="325"/>
+            <p14:sldId id="326"/>
           </p14:sldIdLst>
         </p14:section>
       </p14:sectionLst>
@@ -165,7 +173,7 @@
 <file path=ppt/revisionInfo.xml><?xml version="1.0" encoding="utf-8"?>
 <p1510:revInfo xmlns:a="http://schemas.openxmlformats.org/drawingml/2006/main" xmlns:r="http://schemas.openxmlformats.org/officeDocument/2006/relationships" xmlns:p1510="http://schemas.microsoft.com/office/powerpoint/2015/10/main">
   <p1510:revLst>
-    <p1510:client id="{594A51F0-A07B-4027-B251-0ABFCD72490F}" v="21" dt="2024-02-07T16:44:41.460"/>
+    <p1510:client id="{594A51F0-A07B-4027-B251-0ABFCD72490F}" v="55" dt="2024-02-08T09:14:23.173"/>
   </p1510:revLst>
 </p1510:revInfo>
 </file>
@@ -8150,7 +8158,7 @@
   <pc:docChgLst>
     <pc:chgData name="Ihor Aleksandrov" userId="c3051032-6b87-4db2-b257-777a0106fbd9" providerId="ADAL" clId="{594A51F0-A07B-4027-B251-0ABFCD72490F}"/>
     <pc:docChg chg="undo custSel addSld delSld modSld delSection modSection">
-      <pc:chgData name="Ihor Aleksandrov" userId="c3051032-6b87-4db2-b257-777a0106fbd9" providerId="ADAL" clId="{594A51F0-A07B-4027-B251-0ABFCD72490F}" dt="2024-02-07T16:45:28.304" v="289" actId="1076"/>
+      <pc:chgData name="Ihor Aleksandrov" userId="c3051032-6b87-4db2-b257-777a0106fbd9" providerId="ADAL" clId="{594A51F0-A07B-4027-B251-0ABFCD72490F}" dt="2024-02-08T09:14:14.990" v="374" actId="14100"/>
       <pc:docMkLst>
         <pc:docMk/>
       </pc:docMkLst>
@@ -8316,6 +8324,21 @@
             <ac:spMk id="2" creationId="{5DF8ECE0-DBF5-C309-B35B-C6A0C6C847B2}"/>
           </ac:spMkLst>
         </pc:spChg>
+      </pc:sldChg>
+      <pc:sldChg chg="modSp mod">
+        <pc:chgData name="Ihor Aleksandrov" userId="c3051032-6b87-4db2-b257-777a0106fbd9" providerId="ADAL" clId="{594A51F0-A07B-4027-B251-0ABFCD72490F}" dt="2024-02-08T09:14:14.990" v="374" actId="14100"/>
+        <pc:sldMkLst>
+          <pc:docMk/>
+          <pc:sldMk cId="2972731808" sldId="308"/>
+        </pc:sldMkLst>
+        <pc:graphicFrameChg chg="mod">
+          <ac:chgData name="Ihor Aleksandrov" userId="c3051032-6b87-4db2-b257-777a0106fbd9" providerId="ADAL" clId="{594A51F0-A07B-4027-B251-0ABFCD72490F}" dt="2024-02-08T09:14:14.990" v="374" actId="14100"/>
+          <ac:graphicFrameMkLst>
+            <pc:docMk/>
+            <pc:sldMk cId="2972731808" sldId="308"/>
+            <ac:graphicFrameMk id="6" creationId="{0A25AD42-052A-793B-B420-809C33CC274D}"/>
+          </ac:graphicFrameMkLst>
+        </pc:graphicFrameChg>
       </pc:sldChg>
       <pc:sldChg chg="addSp delSp modSp add mod setBg delDesignElem">
         <pc:chgData name="Ihor Aleksandrov" userId="c3051032-6b87-4db2-b257-777a0106fbd9" providerId="ADAL" clId="{594A51F0-A07B-4027-B251-0ABFCD72490F}" dt="2024-02-07T15:26:45.089" v="64" actId="1076"/>
@@ -9307,6 +9330,265 @@
           <pc:docMk/>
           <pc:sldMk cId="2079661106" sldId="321"/>
         </pc:sldMkLst>
+      </pc:sldChg>
+      <pc:sldChg chg="addSp delSp modSp add mod setBg delDesignElem">
+        <pc:chgData name="Ihor Aleksandrov" userId="c3051032-6b87-4db2-b257-777a0106fbd9" providerId="ADAL" clId="{594A51F0-A07B-4027-B251-0ABFCD72490F}" dt="2024-02-08T09:00:39.328" v="301" actId="1076"/>
+        <pc:sldMkLst>
+          <pc:docMk/>
+          <pc:sldMk cId="2438032746" sldId="322"/>
+        </pc:sldMkLst>
+        <pc:spChg chg="mod">
+          <ac:chgData name="Ihor Aleksandrov" userId="c3051032-6b87-4db2-b257-777a0106fbd9" providerId="ADAL" clId="{594A51F0-A07B-4027-B251-0ABFCD72490F}" dt="2024-02-08T08:59:42.197" v="292" actId="26606"/>
+          <ac:spMkLst>
+            <pc:docMk/>
+            <pc:sldMk cId="2438032746" sldId="322"/>
+            <ac:spMk id="2" creationId="{53C5D828-9666-E312-B574-9FE965A7D6BE}"/>
+          </ac:spMkLst>
+        </pc:spChg>
+        <pc:spChg chg="mod ord">
+          <ac:chgData name="Ihor Aleksandrov" userId="c3051032-6b87-4db2-b257-777a0106fbd9" providerId="ADAL" clId="{594A51F0-A07B-4027-B251-0ABFCD72490F}" dt="2024-02-08T08:59:42.197" v="292" actId="26606"/>
+          <ac:spMkLst>
+            <pc:docMk/>
+            <pc:sldMk cId="2438032746" sldId="322"/>
+            <ac:spMk id="3" creationId="{5AA19FA0-A765-8169-03F1-928E3EF7B595}"/>
+          </ac:spMkLst>
+        </pc:spChg>
+        <pc:spChg chg="add mod">
+          <ac:chgData name="Ihor Aleksandrov" userId="c3051032-6b87-4db2-b257-777a0106fbd9" providerId="ADAL" clId="{594A51F0-A07B-4027-B251-0ABFCD72490F}" dt="2024-02-08T09:00:22.295" v="297" actId="1076"/>
+          <ac:spMkLst>
+            <pc:docMk/>
+            <pc:sldMk cId="2438032746" sldId="322"/>
+            <ac:spMk id="6" creationId="{28813E88-3A87-2364-83C7-8DFC28BF3076}"/>
+          </ac:spMkLst>
+        </pc:spChg>
+        <pc:spChg chg="add mod">
+          <ac:chgData name="Ihor Aleksandrov" userId="c3051032-6b87-4db2-b257-777a0106fbd9" providerId="ADAL" clId="{594A51F0-A07B-4027-B251-0ABFCD72490F}" dt="2024-02-08T09:00:39.328" v="301" actId="1076"/>
+          <ac:spMkLst>
+            <pc:docMk/>
+            <pc:sldMk cId="2438032746" sldId="322"/>
+            <ac:spMk id="8" creationId="{DBC51D57-F1FB-8DFD-5D3E-A0CA2F9CC0A1}"/>
+          </ac:spMkLst>
+        </pc:spChg>
+        <pc:spChg chg="add">
+          <ac:chgData name="Ihor Aleksandrov" userId="c3051032-6b87-4db2-b257-777a0106fbd9" providerId="ADAL" clId="{594A51F0-A07B-4027-B251-0ABFCD72490F}" dt="2024-02-08T08:59:42.197" v="292" actId="26606"/>
+          <ac:spMkLst>
+            <pc:docMk/>
+            <pc:sldMk cId="2438032746" sldId="322"/>
+            <ac:spMk id="10" creationId="{D4771268-CB57-404A-9271-370EB28F6090}"/>
+          </ac:spMkLst>
+        </pc:spChg>
+        <pc:spChg chg="del">
+          <ac:chgData name="Ihor Aleksandrov" userId="c3051032-6b87-4db2-b257-777a0106fbd9" providerId="ADAL" clId="{594A51F0-A07B-4027-B251-0ABFCD72490F}" dt="2024-02-08T08:59:37.696" v="291"/>
+          <ac:spMkLst>
+            <pc:docMk/>
+            <pc:sldMk cId="2438032746" sldId="322"/>
+            <ac:spMk id="24" creationId="{D4771268-CB57-404A-9271-370EB28F6090}"/>
+          </ac:spMkLst>
+        </pc:spChg>
+        <pc:picChg chg="mod">
+          <ac:chgData name="Ihor Aleksandrov" userId="c3051032-6b87-4db2-b257-777a0106fbd9" providerId="ADAL" clId="{594A51F0-A07B-4027-B251-0ABFCD72490F}" dt="2024-02-08T08:59:50.490" v="294" actId="1076"/>
+          <ac:picMkLst>
+            <pc:docMk/>
+            <pc:sldMk cId="2438032746" sldId="322"/>
+            <ac:picMk id="5" creationId="{5F1C87C8-7726-14B1-9228-199C17B05F5E}"/>
+          </ac:picMkLst>
+        </pc:picChg>
+      </pc:sldChg>
+      <pc:sldChg chg="delSp add del mod setBg delDesignElem">
+        <pc:chgData name="Ihor Aleksandrov" userId="c3051032-6b87-4db2-b257-777a0106fbd9" providerId="ADAL" clId="{594A51F0-A07B-4027-B251-0ABFCD72490F}" dt="2024-02-08T09:06:34.261" v="318" actId="2696"/>
+        <pc:sldMkLst>
+          <pc:docMk/>
+          <pc:sldMk cId="2779841426" sldId="323"/>
+        </pc:sldMkLst>
+        <pc:spChg chg="del">
+          <ac:chgData name="Ihor Aleksandrov" userId="c3051032-6b87-4db2-b257-777a0106fbd9" providerId="ADAL" clId="{594A51F0-A07B-4027-B251-0ABFCD72490F}" dt="2024-02-08T09:04:57.283" v="303"/>
+          <ac:spMkLst>
+            <pc:docMk/>
+            <pc:sldMk cId="2779841426" sldId="323"/>
+            <ac:spMk id="24" creationId="{D4771268-CB57-404A-9271-370EB28F6090}"/>
+          </ac:spMkLst>
+        </pc:spChg>
+        <pc:picChg chg="del">
+          <ac:chgData name="Ihor Aleksandrov" userId="c3051032-6b87-4db2-b257-777a0106fbd9" providerId="ADAL" clId="{594A51F0-A07B-4027-B251-0ABFCD72490F}" dt="2024-02-08T09:05:24.343" v="305" actId="21"/>
+          <ac:picMkLst>
+            <pc:docMk/>
+            <pc:sldMk cId="2779841426" sldId="323"/>
+            <ac:picMk id="10" creationId="{AFD23CF5-0199-8B30-1BE1-D9E6989A351D}"/>
+          </ac:picMkLst>
+        </pc:picChg>
+      </pc:sldChg>
+      <pc:sldChg chg="addSp delSp modSp add mod">
+        <pc:chgData name="Ihor Aleksandrov" userId="c3051032-6b87-4db2-b257-777a0106fbd9" providerId="ADAL" clId="{594A51F0-A07B-4027-B251-0ABFCD72490F}" dt="2024-02-08T09:06:28.551" v="317" actId="1076"/>
+        <pc:sldMkLst>
+          <pc:docMk/>
+          <pc:sldMk cId="3430162594" sldId="324"/>
+        </pc:sldMkLst>
+        <pc:spChg chg="del">
+          <ac:chgData name="Ihor Aleksandrov" userId="c3051032-6b87-4db2-b257-777a0106fbd9" providerId="ADAL" clId="{594A51F0-A07B-4027-B251-0ABFCD72490F}" dt="2024-02-08T09:05:41.306" v="310" actId="478"/>
+          <ac:spMkLst>
+            <pc:docMk/>
+            <pc:sldMk cId="3430162594" sldId="324"/>
+            <ac:spMk id="6" creationId="{28813E88-3A87-2364-83C7-8DFC28BF3076}"/>
+          </ac:spMkLst>
+        </pc:spChg>
+        <pc:spChg chg="del">
+          <ac:chgData name="Ihor Aleksandrov" userId="c3051032-6b87-4db2-b257-777a0106fbd9" providerId="ADAL" clId="{594A51F0-A07B-4027-B251-0ABFCD72490F}" dt="2024-02-08T09:05:44.419" v="311" actId="478"/>
+          <ac:spMkLst>
+            <pc:docMk/>
+            <pc:sldMk cId="3430162594" sldId="324"/>
+            <ac:spMk id="8" creationId="{DBC51D57-F1FB-8DFD-5D3E-A0CA2F9CC0A1}"/>
+          </ac:spMkLst>
+        </pc:spChg>
+        <pc:spChg chg="add mod">
+          <ac:chgData name="Ihor Aleksandrov" userId="c3051032-6b87-4db2-b257-777a0106fbd9" providerId="ADAL" clId="{594A51F0-A07B-4027-B251-0ABFCD72490F}" dt="2024-02-08T09:06:09.625" v="313" actId="1076"/>
+          <ac:spMkLst>
+            <pc:docMk/>
+            <pc:sldMk cId="3430162594" sldId="324"/>
+            <ac:spMk id="9" creationId="{483DFA46-DDAD-B0EA-A1AE-57986D6DBB96}"/>
+          </ac:spMkLst>
+        </pc:spChg>
+        <pc:spChg chg="add mod">
+          <ac:chgData name="Ihor Aleksandrov" userId="c3051032-6b87-4db2-b257-777a0106fbd9" providerId="ADAL" clId="{594A51F0-A07B-4027-B251-0ABFCD72490F}" dt="2024-02-08T09:06:28.551" v="317" actId="1076"/>
+          <ac:spMkLst>
+            <pc:docMk/>
+            <pc:sldMk cId="3430162594" sldId="324"/>
+            <ac:spMk id="12" creationId="{88BAA70B-BAAA-EF77-C80C-5B2D5D61A419}"/>
+          </ac:spMkLst>
+        </pc:spChg>
+        <pc:picChg chg="add mod">
+          <ac:chgData name="Ihor Aleksandrov" userId="c3051032-6b87-4db2-b257-777a0106fbd9" providerId="ADAL" clId="{594A51F0-A07B-4027-B251-0ABFCD72490F}" dt="2024-02-08T09:05:38.100" v="309" actId="1076"/>
+          <ac:picMkLst>
+            <pc:docMk/>
+            <pc:sldMk cId="3430162594" sldId="324"/>
+            <ac:picMk id="4" creationId="{991A28E6-8AC9-2DA0-F3E9-AF706004D340}"/>
+          </ac:picMkLst>
+        </pc:picChg>
+        <pc:picChg chg="del">
+          <ac:chgData name="Ihor Aleksandrov" userId="c3051032-6b87-4db2-b257-777a0106fbd9" providerId="ADAL" clId="{594A51F0-A07B-4027-B251-0ABFCD72490F}" dt="2024-02-08T09:05:29.440" v="307" actId="478"/>
+          <ac:picMkLst>
+            <pc:docMk/>
+            <pc:sldMk cId="3430162594" sldId="324"/>
+            <ac:picMk id="5" creationId="{5F1C87C8-7726-14B1-9228-199C17B05F5E}"/>
+          </ac:picMkLst>
+        </pc:picChg>
+      </pc:sldChg>
+      <pc:sldChg chg="addSp delSp modSp add mod setBg delDesignElem">
+        <pc:chgData name="Ihor Aleksandrov" userId="c3051032-6b87-4db2-b257-777a0106fbd9" providerId="ADAL" clId="{594A51F0-A07B-4027-B251-0ABFCD72490F}" dt="2024-02-08T09:12:22.852" v="333" actId="1076"/>
+        <pc:sldMkLst>
+          <pc:docMk/>
+          <pc:sldMk cId="4159126741" sldId="325"/>
+        </pc:sldMkLst>
+        <pc:spChg chg="mod">
+          <ac:chgData name="Ihor Aleksandrov" userId="c3051032-6b87-4db2-b257-777a0106fbd9" providerId="ADAL" clId="{594A51F0-A07B-4027-B251-0ABFCD72490F}" dt="2024-02-08T09:11:17.472" v="321" actId="26606"/>
+          <ac:spMkLst>
+            <pc:docMk/>
+            <pc:sldMk cId="4159126741" sldId="325"/>
+            <ac:spMk id="2" creationId="{53C5D828-9666-E312-B574-9FE965A7D6BE}"/>
+          </ac:spMkLst>
+        </pc:spChg>
+        <pc:spChg chg="mod ord">
+          <ac:chgData name="Ihor Aleksandrov" userId="c3051032-6b87-4db2-b257-777a0106fbd9" providerId="ADAL" clId="{594A51F0-A07B-4027-B251-0ABFCD72490F}" dt="2024-02-08T09:11:17.472" v="321" actId="26606"/>
+          <ac:spMkLst>
+            <pc:docMk/>
+            <pc:sldMk cId="4159126741" sldId="325"/>
+            <ac:spMk id="3" creationId="{5AA19FA0-A765-8169-03F1-928E3EF7B595}"/>
+          </ac:spMkLst>
+        </pc:spChg>
+        <pc:spChg chg="add mod">
+          <ac:chgData name="Ihor Aleksandrov" userId="c3051032-6b87-4db2-b257-777a0106fbd9" providerId="ADAL" clId="{594A51F0-A07B-4027-B251-0ABFCD72490F}" dt="2024-02-08T09:12:05.785" v="329" actId="20577"/>
+          <ac:spMkLst>
+            <pc:docMk/>
+            <pc:sldMk cId="4159126741" sldId="325"/>
+            <ac:spMk id="6" creationId="{C7E2D26A-2ACF-C37E-03E5-B7B57A5A9F6D}"/>
+          </ac:spMkLst>
+        </pc:spChg>
+        <pc:spChg chg="add mod">
+          <ac:chgData name="Ihor Aleksandrov" userId="c3051032-6b87-4db2-b257-777a0106fbd9" providerId="ADAL" clId="{594A51F0-A07B-4027-B251-0ABFCD72490F}" dt="2024-02-08T09:12:22.852" v="333" actId="1076"/>
+          <ac:spMkLst>
+            <pc:docMk/>
+            <pc:sldMk cId="4159126741" sldId="325"/>
+            <ac:spMk id="8" creationId="{332D2D0C-5936-5FAF-1EF5-E538E56238E1}"/>
+          </ac:spMkLst>
+        </pc:spChg>
+        <pc:spChg chg="add">
+          <ac:chgData name="Ihor Aleksandrov" userId="c3051032-6b87-4db2-b257-777a0106fbd9" providerId="ADAL" clId="{594A51F0-A07B-4027-B251-0ABFCD72490F}" dt="2024-02-08T09:11:17.472" v="321" actId="26606"/>
+          <ac:spMkLst>
+            <pc:docMk/>
+            <pc:sldMk cId="4159126741" sldId="325"/>
+            <ac:spMk id="10" creationId="{D4771268-CB57-404A-9271-370EB28F6090}"/>
+          </ac:spMkLst>
+        </pc:spChg>
+        <pc:spChg chg="del">
+          <ac:chgData name="Ihor Aleksandrov" userId="c3051032-6b87-4db2-b257-777a0106fbd9" providerId="ADAL" clId="{594A51F0-A07B-4027-B251-0ABFCD72490F}" dt="2024-02-08T09:11:13.979" v="320"/>
+          <ac:spMkLst>
+            <pc:docMk/>
+            <pc:sldMk cId="4159126741" sldId="325"/>
+            <ac:spMk id="24" creationId="{D4771268-CB57-404A-9271-370EB28F6090}"/>
+          </ac:spMkLst>
+        </pc:spChg>
+        <pc:picChg chg="mod">
+          <ac:chgData name="Ihor Aleksandrov" userId="c3051032-6b87-4db2-b257-777a0106fbd9" providerId="ADAL" clId="{594A51F0-A07B-4027-B251-0ABFCD72490F}" dt="2024-02-08T09:11:24.597" v="323" actId="1076"/>
+          <ac:picMkLst>
+            <pc:docMk/>
+            <pc:sldMk cId="4159126741" sldId="325"/>
+            <ac:picMk id="5" creationId="{973C29E6-2B0E-84B0-7B5B-A426B0585B3F}"/>
+          </ac:picMkLst>
+        </pc:picChg>
+      </pc:sldChg>
+      <pc:sldChg chg="addSp delSp modSp add mod setBg delDesignElem">
+        <pc:chgData name="Ihor Aleksandrov" userId="c3051032-6b87-4db2-b257-777a0106fbd9" providerId="ADAL" clId="{594A51F0-A07B-4027-B251-0ABFCD72490F}" dt="2024-02-08T09:13:48.181" v="345" actId="1076"/>
+        <pc:sldMkLst>
+          <pc:docMk/>
+          <pc:sldMk cId="3987160844" sldId="326"/>
+        </pc:sldMkLst>
+        <pc:spChg chg="mod">
+          <ac:chgData name="Ihor Aleksandrov" userId="c3051032-6b87-4db2-b257-777a0106fbd9" providerId="ADAL" clId="{594A51F0-A07B-4027-B251-0ABFCD72490F}" dt="2024-02-08T09:13:21.680" v="336" actId="26606"/>
+          <ac:spMkLst>
+            <pc:docMk/>
+            <pc:sldMk cId="3987160844" sldId="326"/>
+            <ac:spMk id="2" creationId="{53C5D828-9666-E312-B574-9FE965A7D6BE}"/>
+          </ac:spMkLst>
+        </pc:spChg>
+        <pc:spChg chg="mod ord">
+          <ac:chgData name="Ihor Aleksandrov" userId="c3051032-6b87-4db2-b257-777a0106fbd9" providerId="ADAL" clId="{594A51F0-A07B-4027-B251-0ABFCD72490F}" dt="2024-02-08T09:13:21.680" v="336" actId="26606"/>
+          <ac:spMkLst>
+            <pc:docMk/>
+            <pc:sldMk cId="3987160844" sldId="326"/>
+            <ac:spMk id="3" creationId="{5AA19FA0-A765-8169-03F1-928E3EF7B595}"/>
+          </ac:spMkLst>
+        </pc:spChg>
+        <pc:spChg chg="add mod">
+          <ac:chgData name="Ihor Aleksandrov" userId="c3051032-6b87-4db2-b257-777a0106fbd9" providerId="ADAL" clId="{594A51F0-A07B-4027-B251-0ABFCD72490F}" dt="2024-02-08T09:13:48.181" v="345" actId="1076"/>
+          <ac:spMkLst>
+            <pc:docMk/>
+            <pc:sldMk cId="3987160844" sldId="326"/>
+            <ac:spMk id="4" creationId="{E5BDE93A-CE74-428A-C203-8A4FC86B685D}"/>
+          </ac:spMkLst>
+        </pc:spChg>
+        <pc:spChg chg="add">
+          <ac:chgData name="Ihor Aleksandrov" userId="c3051032-6b87-4db2-b257-777a0106fbd9" providerId="ADAL" clId="{594A51F0-A07B-4027-B251-0ABFCD72490F}" dt="2024-02-08T09:13:21.680" v="336" actId="26606"/>
+          <ac:spMkLst>
+            <pc:docMk/>
+            <pc:sldMk cId="3987160844" sldId="326"/>
+            <ac:spMk id="11" creationId="{D4771268-CB57-404A-9271-370EB28F6090}"/>
+          </ac:spMkLst>
+        </pc:spChg>
+        <pc:spChg chg="del">
+          <ac:chgData name="Ihor Aleksandrov" userId="c3051032-6b87-4db2-b257-777a0106fbd9" providerId="ADAL" clId="{594A51F0-A07B-4027-B251-0ABFCD72490F}" dt="2024-02-08T09:13:18.152" v="335"/>
+          <ac:spMkLst>
+            <pc:docMk/>
+            <pc:sldMk cId="3987160844" sldId="326"/>
+            <ac:spMk id="24" creationId="{D4771268-CB57-404A-9271-370EB28F6090}"/>
+          </ac:spMkLst>
+        </pc:spChg>
+        <pc:picChg chg="mod">
+          <ac:chgData name="Ihor Aleksandrov" userId="c3051032-6b87-4db2-b257-777a0106fbd9" providerId="ADAL" clId="{594A51F0-A07B-4027-B251-0ABFCD72490F}" dt="2024-02-08T09:13:33.594" v="339" actId="1076"/>
+          <ac:picMkLst>
+            <pc:docMk/>
+            <pc:sldMk cId="3987160844" sldId="326"/>
+            <ac:picMk id="6" creationId="{A3571683-0A9A-4135-6285-8210F80901C7}"/>
+          </ac:picMkLst>
+        </pc:picChg>
       </pc:sldChg>
       <pc:sldChg chg="del">
         <pc:chgData name="Ihor Aleksandrov" userId="c3051032-6b87-4db2-b257-777a0106fbd9" providerId="ADAL" clId="{594A51F0-A07B-4027-B251-0ABFCD72490F}" dt="2024-02-07T14:46:18.589" v="1" actId="2696"/>
@@ -13491,9 +13773,10 @@
         <a:lstStyle/>
         <a:p>
           <a:r>
-            <a:rPr lang="en-US" dirty="0"/>
-            <a:t>Containers</a:t>
+            <a:rPr lang="en-US"/>
+            <a:t>Kubernetes</a:t>
           </a:r>
+          <a:endParaRPr lang="en-US" dirty="0"/>
         </a:p>
       </dgm:t>
       <dgm:extLst>
@@ -13526,49 +13809,6 @@
         </a:p>
       </dgm:t>
     </dgm:pt>
-    <dgm:pt modelId="{CDDBB8DD-A01C-4732-AC35-F28DD8AF8C15}">
-      <dgm:prSet/>
-      <dgm:spPr/>
-      <dgm:t>
-        <a:bodyPr/>
-        <a:lstStyle/>
-        <a:p>
-          <a:r>
-            <a:rPr lang="en-US" dirty="0"/>
-            <a:t>Docker</a:t>
-          </a:r>
-        </a:p>
-      </dgm:t>
-      <dgm:extLst>
-        <a:ext uri="{E40237B7-FDA0-4F09-8148-C483321AD2D9}">
-          <dgm14:cNvPr xmlns:dgm14="http://schemas.microsoft.com/office/drawing/2010/diagram" id="0" name="">
-            <a:hlinkClick xmlns:r="http://schemas.openxmlformats.org/officeDocument/2006/relationships" r:id="rId2" action="ppaction://hlinksldjump"/>
-          </dgm14:cNvPr>
-        </a:ext>
-      </dgm:extLst>
-    </dgm:pt>
-    <dgm:pt modelId="{DFB4CC20-ADD4-4C51-9B29-CA7EC3DD7DF0}" type="parTrans" cxnId="{5B5625A1-2376-4504-8D09-CFD67F0F8444}">
-      <dgm:prSet/>
-      <dgm:spPr/>
-      <dgm:t>
-        <a:bodyPr/>
-        <a:lstStyle/>
-        <a:p>
-          <a:endParaRPr lang="ru-UA"/>
-        </a:p>
-      </dgm:t>
-    </dgm:pt>
-    <dgm:pt modelId="{A9DDE59F-C1EA-4792-AE58-0C79FA5AF3CA}" type="sibTrans" cxnId="{5B5625A1-2376-4504-8D09-CFD67F0F8444}">
-      <dgm:prSet/>
-      <dgm:spPr/>
-      <dgm:t>
-        <a:bodyPr/>
-        <a:lstStyle/>
-        <a:p>
-          <a:endParaRPr lang="ru-UA"/>
-        </a:p>
-      </dgm:t>
-    </dgm:pt>
     <dgm:pt modelId="{4FE4B1AC-A99B-45EC-AFA8-E510D59359ED}" type="pres">
       <dgm:prSet presAssocID="{1C600E66-A0CB-470F-8514-C91590285CB3}" presName="Name0" presStyleCnt="0">
         <dgm:presLayoutVars>
@@ -13584,24 +13824,7 @@
       <dgm:spPr/>
     </dgm:pt>
     <dgm:pt modelId="{938A66F9-A955-4384-A32F-5A244E92AC01}" type="pres">
-      <dgm:prSet presAssocID="{64E9ACE6-9AFD-4BBA-80CB-01DA1300E087}" presName="parentText" presStyleLbl="node1" presStyleIdx="0" presStyleCnt="2">
-        <dgm:presLayoutVars>
-          <dgm:chMax val="1"/>
-          <dgm:bulletEnabled val="1"/>
-        </dgm:presLayoutVars>
-      </dgm:prSet>
-      <dgm:spPr/>
-    </dgm:pt>
-    <dgm:pt modelId="{CDD65FAC-2AE3-4501-9800-184AE3820557}" type="pres">
-      <dgm:prSet presAssocID="{7B2C8051-D046-465E-BB80-77D9BB7B38CD}" presName="sp" presStyleCnt="0"/>
-      <dgm:spPr/>
-    </dgm:pt>
-    <dgm:pt modelId="{E941C728-4ECD-4779-A47F-0FD71CBA77D9}" type="pres">
-      <dgm:prSet presAssocID="{CDDBB8DD-A01C-4732-AC35-F28DD8AF8C15}" presName="linNode" presStyleCnt="0"/>
-      <dgm:spPr/>
-    </dgm:pt>
-    <dgm:pt modelId="{5201E5E7-37E9-4B9E-A739-F052FDC9C480}" type="pres">
-      <dgm:prSet presAssocID="{CDDBB8DD-A01C-4732-AC35-F28DD8AF8C15}" presName="parentText" presStyleLbl="node1" presStyleIdx="1" presStyleCnt="2">
+      <dgm:prSet presAssocID="{64E9ACE6-9AFD-4BBA-80CB-01DA1300E087}" presName="parentText" presStyleLbl="node1" presStyleIdx="0" presStyleCnt="1">
         <dgm:presLayoutVars>
           <dgm:chMax val="1"/>
           <dgm:bulletEnabled val="1"/>
@@ -13612,15 +13835,10 @@
   </dgm:ptLst>
   <dgm:cxnLst>
     <dgm:cxn modelId="{B4E32220-B6E5-419F-85FB-810888F0627F}" type="presOf" srcId="{64E9ACE6-9AFD-4BBA-80CB-01DA1300E087}" destId="{938A66F9-A955-4384-A32F-5A244E92AC01}" srcOrd="0" destOrd="0" presId="urn:microsoft.com/office/officeart/2005/8/layout/vList5"/>
-    <dgm:cxn modelId="{43DBA823-5DC9-40A6-95CA-D5A624D6DBC8}" type="presOf" srcId="{CDDBB8DD-A01C-4732-AC35-F28DD8AF8C15}" destId="{5201E5E7-37E9-4B9E-A739-F052FDC9C480}" srcOrd="0" destOrd="0" presId="urn:microsoft.com/office/officeart/2005/8/layout/vList5"/>
     <dgm:cxn modelId="{C7C38DA0-CE59-4FEF-BFD1-6FDA69259313}" srcId="{1C600E66-A0CB-470F-8514-C91590285CB3}" destId="{64E9ACE6-9AFD-4BBA-80CB-01DA1300E087}" srcOrd="0" destOrd="0" parTransId="{FD0FAFBC-EEAF-4FBF-916F-D182FE250A26}" sibTransId="{7B2C8051-D046-465E-BB80-77D9BB7B38CD}"/>
-    <dgm:cxn modelId="{5B5625A1-2376-4504-8D09-CFD67F0F8444}" srcId="{1C600E66-A0CB-470F-8514-C91590285CB3}" destId="{CDDBB8DD-A01C-4732-AC35-F28DD8AF8C15}" srcOrd="1" destOrd="0" parTransId="{DFB4CC20-ADD4-4C51-9B29-CA7EC3DD7DF0}" sibTransId="{A9DDE59F-C1EA-4792-AE58-0C79FA5AF3CA}"/>
     <dgm:cxn modelId="{C92152C9-FF79-4894-84FC-66E915F78959}" type="presOf" srcId="{1C600E66-A0CB-470F-8514-C91590285CB3}" destId="{4FE4B1AC-A99B-45EC-AFA8-E510D59359ED}" srcOrd="0" destOrd="0" presId="urn:microsoft.com/office/officeart/2005/8/layout/vList5"/>
     <dgm:cxn modelId="{83CB446D-F423-469F-BA03-5D05F0C13392}" type="presParOf" srcId="{4FE4B1AC-A99B-45EC-AFA8-E510D59359ED}" destId="{025ACBAF-46AC-4624-83DD-68FF5F6C7CAC}" srcOrd="0" destOrd="0" presId="urn:microsoft.com/office/officeart/2005/8/layout/vList5"/>
     <dgm:cxn modelId="{63EE6CDD-CD71-4C1F-8B53-41E7553C7928}" type="presParOf" srcId="{025ACBAF-46AC-4624-83DD-68FF5F6C7CAC}" destId="{938A66F9-A955-4384-A32F-5A244E92AC01}" srcOrd="0" destOrd="0" presId="urn:microsoft.com/office/officeart/2005/8/layout/vList5"/>
-    <dgm:cxn modelId="{0DBC9438-D464-4937-8CB4-AFDC8AA3A081}" type="presParOf" srcId="{4FE4B1AC-A99B-45EC-AFA8-E510D59359ED}" destId="{CDD65FAC-2AE3-4501-9800-184AE3820557}" srcOrd="1" destOrd="0" presId="urn:microsoft.com/office/officeart/2005/8/layout/vList5"/>
-    <dgm:cxn modelId="{B05608C4-953F-4B6F-9DB3-3B965BA5AC2E}" type="presParOf" srcId="{4FE4B1AC-A99B-45EC-AFA8-E510D59359ED}" destId="{E941C728-4ECD-4779-A47F-0FD71CBA77D9}" srcOrd="2" destOrd="0" presId="urn:microsoft.com/office/officeart/2005/8/layout/vList5"/>
-    <dgm:cxn modelId="{4E2E09B6-7579-4FB6-B6CB-EBB7768E04A4}" type="presParOf" srcId="{E941C728-4ECD-4779-A47F-0FD71CBA77D9}" destId="{5201E5E7-37E9-4B9E-A739-F052FDC9C480}" srcOrd="0" destOrd="0" presId="urn:microsoft.com/office/officeart/2005/8/layout/vList5"/>
   </dgm:cxnLst>
   <dgm:bg/>
   <dgm:whole/>
@@ -13647,8 +13865,8 @@
       </dsp:nvSpPr>
       <dsp:spPr>
         <a:xfrm>
-          <a:off x="2044999" y="40"/>
-          <a:ext cx="2300624" cy="1616549"/>
+          <a:off x="2044999" y="0"/>
+          <a:ext cx="2300624" cy="1514121"/>
         </a:xfrm>
         <a:prstGeom prst="roundRect">
           <a:avLst/>
@@ -13690,12 +13908,12 @@
         </a:fontRef>
       </dsp:style>
       <dsp:txBody>
-        <a:bodyPr spcFirstLastPara="0" vert="horz" wrap="square" lIns="125730" tIns="62865" rIns="125730" bIns="62865" numCol="1" spcCol="1270" anchor="ctr" anchorCtr="0">
+        <a:bodyPr spcFirstLastPara="0" vert="horz" wrap="square" lIns="121920" tIns="60960" rIns="121920" bIns="60960" numCol="1" spcCol="1270" anchor="ctr" anchorCtr="0">
           <a:noAutofit/>
         </a:bodyPr>
         <a:lstStyle/>
         <a:p>
-          <a:pPr marL="0" lvl="0" indent="0" algn="ctr" defTabSz="1466850">
+          <a:pPr marL="0" lvl="0" indent="0" algn="ctr" defTabSz="1422400">
             <a:lnSpc>
               <a:spcPct val="90000"/>
             </a:lnSpc>
@@ -13708,92 +13926,15 @@
             <a:buNone/>
           </a:pPr>
           <a:r>
-            <a:rPr lang="en-US" sz="3300" kern="1200" dirty="0"/>
-            <a:t>Containers</a:t>
+            <a:rPr lang="en-US" sz="3200" kern="1200"/>
+            <a:t>Kubernetes</a:t>
           </a:r>
+          <a:endParaRPr lang="en-US" sz="3200" kern="1200" dirty="0"/>
         </a:p>
       </dsp:txBody>
       <dsp:txXfrm>
-        <a:off x="2123912" y="78953"/>
-        <a:ext cx="2142798" cy="1458723"/>
-      </dsp:txXfrm>
-    </dsp:sp>
-    <dsp:sp modelId="{5201E5E7-37E9-4B9E-A739-F052FDC9C480}">
-      <dsp:nvSpPr>
-        <dsp:cNvPr id="0" name=""/>
-        <dsp:cNvSpPr/>
-      </dsp:nvSpPr>
-      <dsp:spPr>
-        <a:xfrm>
-          <a:off x="2044999" y="1697417"/>
-          <a:ext cx="2300624" cy="1616549"/>
-        </a:xfrm>
-        <a:prstGeom prst="roundRect">
-          <a:avLst/>
-        </a:prstGeom>
-        <a:solidFill>
-          <a:schemeClr val="accent1">
-            <a:hueOff val="0"/>
-            <a:satOff val="0"/>
-            <a:lumOff val="0"/>
-            <a:alphaOff val="0"/>
-          </a:schemeClr>
-        </a:solidFill>
-        <a:ln w="12700" cap="flat" cmpd="sng" algn="ctr">
-          <a:solidFill>
-            <a:schemeClr val="lt1">
-              <a:hueOff val="0"/>
-              <a:satOff val="0"/>
-              <a:lumOff val="0"/>
-              <a:alphaOff val="0"/>
-            </a:schemeClr>
-          </a:solidFill>
-          <a:prstDash val="solid"/>
-          <a:miter lim="800000"/>
-        </a:ln>
-        <a:effectLst/>
-      </dsp:spPr>
-      <dsp:style>
-        <a:lnRef idx="2">
-          <a:scrgbClr r="0" g="0" b="0"/>
-        </a:lnRef>
-        <a:fillRef idx="1">
-          <a:scrgbClr r="0" g="0" b="0"/>
-        </a:fillRef>
-        <a:effectRef idx="0">
-          <a:scrgbClr r="0" g="0" b="0"/>
-        </a:effectRef>
-        <a:fontRef idx="minor">
-          <a:schemeClr val="lt1"/>
-        </a:fontRef>
-      </dsp:style>
-      <dsp:txBody>
-        <a:bodyPr spcFirstLastPara="0" vert="horz" wrap="square" lIns="125730" tIns="62865" rIns="125730" bIns="62865" numCol="1" spcCol="1270" anchor="ctr" anchorCtr="0">
-          <a:noAutofit/>
-        </a:bodyPr>
-        <a:lstStyle/>
-        <a:p>
-          <a:pPr marL="0" lvl="0" indent="0" algn="ctr" defTabSz="1466850">
-            <a:lnSpc>
-              <a:spcPct val="90000"/>
-            </a:lnSpc>
-            <a:spcBef>
-              <a:spcPct val="0"/>
-            </a:spcBef>
-            <a:spcAft>
-              <a:spcPct val="35000"/>
-            </a:spcAft>
-            <a:buNone/>
-          </a:pPr>
-          <a:r>
-            <a:rPr lang="en-US" sz="3300" kern="1200" dirty="0"/>
-            <a:t>Docker</a:t>
-          </a:r>
-        </a:p>
-      </dsp:txBody>
-      <dsp:txXfrm>
-        <a:off x="2123912" y="1776330"/>
-        <a:ext cx="2142798" cy="1458723"/>
+        <a:off x="2118912" y="73913"/>
+        <a:ext cx="2152798" cy="1366295"/>
       </dsp:txXfrm>
     </dsp:sp>
   </dsp:spTree>
@@ -15149,7 +15290,7 @@
           <a:p>
             <a:fld id="{EABA3F4B-EFF6-45E3-A6AB-4944039E81EC}" type="datetimeFigureOut">
               <a:rPr lang="ru-UA" smtClean="0"/>
-              <a:t>07.02.2024</a:t>
+              <a:t>08.02.2024</a:t>
             </a:fld>
             <a:endParaRPr lang="ru-UA"/>
           </a:p>
@@ -15566,7 +15707,7 @@
           <a:p>
             <a:fld id="{C943D0DD-0A04-44C4-9CF4-F4F3A1E2DE8D}" type="datetime1">
               <a:rPr lang="ru-UA" smtClean="0"/>
-              <a:t>07.02.2024</a:t>
+              <a:t>08.02.2024</a:t>
             </a:fld>
             <a:endParaRPr lang="ru-UA"/>
           </a:p>
@@ -15770,7 +15911,7 @@
           <a:p>
             <a:fld id="{3D6F0CAA-2CE6-482F-9360-C7AE7164C2C7}" type="datetime1">
               <a:rPr lang="ru-UA" smtClean="0"/>
-              <a:t>07.02.2024</a:t>
+              <a:t>08.02.2024</a:t>
             </a:fld>
             <a:endParaRPr lang="ru-UA"/>
           </a:p>
@@ -15984,7 +16125,7 @@
           <a:p>
             <a:fld id="{047E46BD-AC32-403E-A291-1B88C9967E64}" type="datetime1">
               <a:rPr lang="ru-UA" smtClean="0"/>
-              <a:t>07.02.2024</a:t>
+              <a:t>08.02.2024</a:t>
             </a:fld>
             <a:endParaRPr lang="ru-UA"/>
           </a:p>
@@ -16188,7 +16329,7 @@
           <a:p>
             <a:fld id="{244EEB10-A578-475B-AA12-1119FF449744}" type="datetime1">
               <a:rPr lang="ru-UA" smtClean="0"/>
-              <a:t>07.02.2024</a:t>
+              <a:t>08.02.2024</a:t>
             </a:fld>
             <a:endParaRPr lang="ru-UA"/>
           </a:p>
@@ -16468,7 +16609,7 @@
           <a:p>
             <a:fld id="{26817383-2706-470D-815D-B228CB89D5DB}" type="datetime1">
               <a:rPr lang="ru-UA" smtClean="0"/>
-              <a:t>07.02.2024</a:t>
+              <a:t>08.02.2024</a:t>
             </a:fld>
             <a:endParaRPr lang="ru-UA"/>
           </a:p>
@@ -16740,7 +16881,7 @@
           <a:p>
             <a:fld id="{21EBEB69-F225-4F23-8DFE-AD360AB5DE63}" type="datetime1">
               <a:rPr lang="ru-UA" smtClean="0"/>
-              <a:t>07.02.2024</a:t>
+              <a:t>08.02.2024</a:t>
             </a:fld>
             <a:endParaRPr lang="ru-UA"/>
           </a:p>
@@ -17159,7 +17300,7 @@
           <a:p>
             <a:fld id="{255E35DC-F4D9-4EAC-A6F6-79CA7A3E1888}" type="datetime1">
               <a:rPr lang="ru-UA" smtClean="0"/>
-              <a:t>07.02.2024</a:t>
+              <a:t>08.02.2024</a:t>
             </a:fld>
             <a:endParaRPr lang="ru-UA"/>
           </a:p>
@@ -17305,7 +17446,7 @@
           <a:p>
             <a:fld id="{B08C1C36-5E26-4333-8628-5DEC1B22515C}" type="datetime1">
               <a:rPr lang="ru-UA" smtClean="0"/>
-              <a:t>07.02.2024</a:t>
+              <a:t>08.02.2024</a:t>
             </a:fld>
             <a:endParaRPr lang="ru-UA"/>
           </a:p>
@@ -17422,7 +17563,7 @@
           <a:p>
             <a:fld id="{1BC61AA9-C3A1-48B5-BF1D-8CD028F4ECD3}" type="datetime1">
               <a:rPr lang="ru-UA" smtClean="0"/>
-              <a:t>07.02.2024</a:t>
+              <a:t>08.02.2024</a:t>
             </a:fld>
             <a:endParaRPr lang="ru-UA"/>
           </a:p>
@@ -17739,7 +17880,7 @@
           <a:p>
             <a:fld id="{4F443BD2-EACC-429A-A935-C6EA2F0927BE}" type="datetime1">
               <a:rPr lang="ru-UA" smtClean="0"/>
-              <a:t>07.02.2024</a:t>
+              <a:t>08.02.2024</a:t>
             </a:fld>
             <a:endParaRPr lang="ru-UA"/>
           </a:p>
@@ -18032,7 +18173,7 @@
           <a:p>
             <a:fld id="{96A9166B-B672-4E35-95C5-7200EDE5810B}" type="datetime1">
               <a:rPr lang="ru-UA" smtClean="0"/>
-              <a:t>07.02.2024</a:t>
+              <a:t>08.02.2024</a:t>
             </a:fld>
             <a:endParaRPr lang="ru-UA"/>
           </a:p>
@@ -18279,7 +18420,7 @@
           <a:p>
             <a:fld id="{CA40C085-6524-4DE0-88D2-B34B38EC43F8}" type="datetime1">
               <a:rPr lang="ru-UA" smtClean="0"/>
-              <a:t>07.02.2024</a:t>
+              <a:t>08.02.2024</a:t>
             </a:fld>
             <a:endParaRPr lang="ru-UA"/>
           </a:p>
@@ -22248,6 +22389,374 @@
 </p:sld>
 </file>
 
+<file path=ppt/slides/slide19.xml><?xml version="1.0" encoding="utf-8"?>
+<p:sld xmlns:a="http://schemas.openxmlformats.org/drawingml/2006/main" xmlns:r="http://schemas.openxmlformats.org/officeDocument/2006/relationships" xmlns:p="http://schemas.openxmlformats.org/presentationml/2006/main">
+  <p:cSld>
+    <p:bg>
+      <p:bgPr>
+        <a:solidFill>
+          <a:schemeClr val="bg1"/>
+        </a:solidFill>
+        <a:effectLst/>
+      </p:bgPr>
+    </p:bg>
+    <p:spTree>
+      <p:nvGrpSpPr>
+        <p:cNvPr id="1" name=""/>
+        <p:cNvGrpSpPr/>
+        <p:nvPr/>
+      </p:nvGrpSpPr>
+      <p:grpSpPr>
+        <a:xfrm>
+          <a:off x="0" y="0"/>
+          <a:ext cx="0" cy="0"/>
+          <a:chOff x="0" y="0"/>
+          <a:chExt cx="0" cy="0"/>
+        </a:xfrm>
+      </p:grpSpPr>
+      <p:sp>
+        <p:nvSpPr>
+          <p:cNvPr id="10" name="Down Arrow 7">
+            <a:extLst>
+              <a:ext uri="{FF2B5EF4-FFF2-40B4-BE49-F238E27FC236}">
+                <a16:creationId xmlns:a16="http://schemas.microsoft.com/office/drawing/2014/main" id="{D4771268-CB57-404A-9271-370EB28F6090}"/>
+              </a:ext>
+              <a:ext uri="{C183D7F6-B498-43B3-948B-1728B52AA6E4}">
+                <adec:decorative xmlns:adec="http://schemas.microsoft.com/office/drawing/2017/decorative" val="1"/>
+              </a:ext>
+            </a:extLst>
+          </p:cNvPr>
+          <p:cNvSpPr>
+            <a:spLocks noGrp="1" noRot="1" noChangeAspect="1" noMove="1" noResize="1" noEditPoints="1" noAdjustHandles="1" noChangeArrowheads="1" noChangeShapeType="1" noTextEdit="1"/>
+          </p:cNvSpPr>
+          <p:nvPr>
+            <p:extLst>
+              <p:ext uri="{386F3935-93C4-4BCD-93E2-E3B085C9AB24}">
+                <p16:designElem xmlns:p16="http://schemas.microsoft.com/office/powerpoint/2015/main" val="1"/>
+              </p:ext>
+            </p:extLst>
+          </p:nvPr>
+        </p:nvSpPr>
+        <p:spPr>
+          <a:xfrm rot="16200000">
+            <a:off x="800100" y="1491343"/>
+            <a:ext cx="3333749" cy="3499103"/>
+          </a:xfrm>
+          <a:prstGeom prst="downArrow">
+            <a:avLst>
+              <a:gd name="adj1" fmla="val 100000"/>
+              <a:gd name="adj2" fmla="val 15788"/>
+            </a:avLst>
+          </a:prstGeom>
+          <a:solidFill>
+            <a:srgbClr val="404040"/>
+          </a:solidFill>
+          <a:ln w="53975">
+            <a:noFill/>
+          </a:ln>
+        </p:spPr>
+        <p:style>
+          <a:lnRef idx="2">
+            <a:schemeClr val="accent1">
+              <a:shade val="50000"/>
+            </a:schemeClr>
+          </a:lnRef>
+          <a:fillRef idx="1">
+            <a:schemeClr val="accent1"/>
+          </a:fillRef>
+          <a:effectRef idx="0">
+            <a:schemeClr val="accent1"/>
+          </a:effectRef>
+          <a:fontRef idx="minor">
+            <a:schemeClr val="lt1"/>
+          </a:fontRef>
+        </p:style>
+        <p:txBody>
+          <a:bodyPr rtlCol="0" anchor="ctr"/>
+          <a:lstStyle/>
+          <a:p>
+            <a:pPr algn="ctr"/>
+            <a:endParaRPr lang="en-US"/>
+          </a:p>
+        </p:txBody>
+      </p:sp>
+      <p:sp>
+        <p:nvSpPr>
+          <p:cNvPr id="2" name="Title 1">
+            <a:extLst>
+              <a:ext uri="{FF2B5EF4-FFF2-40B4-BE49-F238E27FC236}">
+                <a16:creationId xmlns:a16="http://schemas.microsoft.com/office/drawing/2014/main" id="{53C5D828-9666-E312-B574-9FE965A7D6BE}"/>
+              </a:ext>
+            </a:extLst>
+          </p:cNvPr>
+          <p:cNvSpPr>
+            <a:spLocks noGrp="1"/>
+          </p:cNvSpPr>
+          <p:nvPr>
+            <p:ph type="title"/>
+          </p:nvPr>
+        </p:nvSpPr>
+        <p:spPr>
+          <a:xfrm>
+            <a:off x="1028700" y="1967266"/>
+            <a:ext cx="2628900" cy="2547257"/>
+          </a:xfrm>
+          <a:noFill/>
+        </p:spPr>
+        <p:txBody>
+          <a:bodyPr vert="horz" lIns="91440" tIns="45720" rIns="91440" bIns="45720" rtlCol="0" anchor="ctr">
+            <a:normAutofit/>
+          </a:bodyPr>
+          <a:lstStyle/>
+          <a:p>
+            <a:pPr algn="ctr"/>
+            <a:r>
+              <a:rPr lang="en-US" sz="3600" kern="1200" dirty="0">
+                <a:solidFill>
+                  <a:srgbClr val="FFFFFF"/>
+                </a:solidFill>
+                <a:latin typeface="+mj-lt"/>
+                <a:ea typeface="+mj-ea"/>
+                <a:cs typeface="+mj-cs"/>
+              </a:rPr>
+              <a:t>Kubernetes – </a:t>
+            </a:r>
+            <a:r>
+              <a:rPr lang="en-US" sz="3600" kern="1200">
+                <a:solidFill>
+                  <a:srgbClr val="FFFFFF"/>
+                </a:solidFill>
+                <a:latin typeface="+mj-lt"/>
+                <a:ea typeface="+mj-ea"/>
+                <a:cs typeface="+mj-cs"/>
+              </a:rPr>
+              <a:t>Secret</a:t>
+            </a:r>
+            <a:r>
+              <a:rPr lang="en-US" sz="3600" kern="1200" dirty="0">
+                <a:solidFill>
+                  <a:srgbClr val="FFFFFF"/>
+                </a:solidFill>
+                <a:latin typeface="+mj-lt"/>
+                <a:ea typeface="+mj-ea"/>
+                <a:cs typeface="+mj-cs"/>
+              </a:rPr>
+              <a:t>s</a:t>
+            </a:r>
+          </a:p>
+        </p:txBody>
+      </p:sp>
+      <p:pic>
+        <p:nvPicPr>
+          <p:cNvPr id="5" name="Picture 4">
+            <a:extLst>
+              <a:ext uri="{FF2B5EF4-FFF2-40B4-BE49-F238E27FC236}">
+                <a16:creationId xmlns:a16="http://schemas.microsoft.com/office/drawing/2014/main" id="{5F1C87C8-7726-14B1-9228-199C17B05F5E}"/>
+              </a:ext>
+            </a:extLst>
+          </p:cNvPr>
+          <p:cNvPicPr>
+            <a:picLocks noChangeAspect="1"/>
+          </p:cNvPicPr>
+          <p:nvPr/>
+        </p:nvPicPr>
+        <p:blipFill>
+          <a:blip r:embed="rId2"/>
+          <a:stretch>
+            <a:fillRect/>
+          </a:stretch>
+        </p:blipFill>
+        <p:spPr>
+          <a:xfrm>
+            <a:off x="2053521" y="5070180"/>
+            <a:ext cx="579257" cy="561879"/>
+          </a:xfrm>
+          <a:prstGeom prst="rect">
+            <a:avLst/>
+          </a:prstGeom>
+        </p:spPr>
+      </p:pic>
+      <p:sp>
+        <p:nvSpPr>
+          <p:cNvPr id="3" name="Footer Placeholder 2">
+            <a:extLst>
+              <a:ext uri="{FF2B5EF4-FFF2-40B4-BE49-F238E27FC236}">
+                <a16:creationId xmlns:a16="http://schemas.microsoft.com/office/drawing/2014/main" id="{5AA19FA0-A765-8169-03F1-928E3EF7B595}"/>
+              </a:ext>
+            </a:extLst>
+          </p:cNvPr>
+          <p:cNvSpPr>
+            <a:spLocks noGrp="1"/>
+          </p:cNvSpPr>
+          <p:nvPr>
+            <p:ph type="ftr" sz="quarter" idx="11"/>
+          </p:nvPr>
+        </p:nvSpPr>
+        <p:spPr>
+          <a:xfrm>
+            <a:off x="1028700" y="6356350"/>
+            <a:ext cx="6210300" cy="365125"/>
+          </a:xfrm>
+        </p:spPr>
+        <p:txBody>
+          <a:bodyPr vert="horz" lIns="91440" tIns="45720" rIns="91440" bIns="45720" rtlCol="0" anchor="ctr">
+            <a:normAutofit/>
+          </a:bodyPr>
+          <a:lstStyle/>
+          <a:p>
+            <a:pPr algn="l">
+              <a:spcAft>
+                <a:spcPts val="600"/>
+              </a:spcAft>
+            </a:pPr>
+            <a:r>
+              <a:rPr lang="en-US" kern="1200">
+                <a:solidFill>
+                  <a:schemeClr val="tx1">
+                    <a:alpha val="80000"/>
+                  </a:schemeClr>
+                </a:solidFill>
+                <a:latin typeface="+mn-lt"/>
+                <a:ea typeface="+mn-ea"/>
+                <a:cs typeface="+mn-cs"/>
+              </a:rPr>
+              <a:t>Step 8. Kubernetes - ver. 1</a:t>
+            </a:r>
+          </a:p>
+        </p:txBody>
+      </p:sp>
+      <p:sp>
+        <p:nvSpPr>
+          <p:cNvPr id="6" name="TextBox 5">
+            <a:extLst>
+              <a:ext uri="{FF2B5EF4-FFF2-40B4-BE49-F238E27FC236}">
+                <a16:creationId xmlns:a16="http://schemas.microsoft.com/office/drawing/2014/main" id="{28813E88-3A87-2364-83C7-8DFC28BF3076}"/>
+              </a:ext>
+            </a:extLst>
+          </p:cNvPr>
+          <p:cNvSpPr txBox="1"/>
+          <p:nvPr/>
+        </p:nvSpPr>
+        <p:spPr>
+          <a:xfrm>
+            <a:off x="4484130" y="1107744"/>
+            <a:ext cx="6982691" cy="4524315"/>
+          </a:xfrm>
+          <a:prstGeom prst="rect">
+            <a:avLst/>
+          </a:prstGeom>
+          <a:noFill/>
+        </p:spPr>
+        <p:txBody>
+          <a:bodyPr wrap="square">
+            <a:spAutoFit/>
+          </a:bodyPr>
+          <a:lstStyle/>
+          <a:p>
+            <a:r>
+              <a:rPr lang="en-US" dirty="0"/>
+              <a:t>A secret in Kubernetes can be defined as an object that contains a small quantity of sensitive data like a password, a token, or a key. It contains information that is otherwise stored in a container image or pod specification. The main advantage of a secret is that we will not have to include sensitive or confidential data in the application code. There is less risk of losing or exposing secrete during the workflow of creating viewing, and editing Pods because they can be and are created independently of the pods in which they are being used. Secretes can be considered similar to </a:t>
+            </a:r>
+            <a:r>
+              <a:rPr lang="en-US" dirty="0" err="1"/>
+              <a:t>ConfigMaps</a:t>
+            </a:r>
+            <a:r>
+              <a:rPr lang="en-US" dirty="0"/>
+              <a:t> but the main difference between them is that they are specially designed to store and hold confidential data.</a:t>
+            </a:r>
+          </a:p>
+          <a:p>
+            <a:r>
+              <a:rPr lang="en-US" dirty="0"/>
+              <a:t>Uses of Secretes:</a:t>
+            </a:r>
+          </a:p>
+          <a:p>
+            <a:endParaRPr lang="en-US" dirty="0"/>
+          </a:p>
+          <a:p>
+            <a:r>
+              <a:rPr lang="en-US" dirty="0"/>
+              <a:t>    Secrets can be used as a container environment variable.</a:t>
+            </a:r>
+          </a:p>
+          <a:p>
+            <a:r>
+              <a:rPr lang="en-US" dirty="0"/>
+              <a:t>    As a file in a volume mounted on at least one of its containers.</a:t>
+            </a:r>
+          </a:p>
+          <a:p>
+            <a:r>
+              <a:rPr lang="en-US" dirty="0"/>
+              <a:t>    It can be used by </a:t>
+            </a:r>
+            <a:r>
+              <a:rPr lang="en-US" dirty="0" err="1"/>
+              <a:t>Kubelet</a:t>
+            </a:r>
+            <a:r>
+              <a:rPr lang="en-US" dirty="0"/>
+              <a:t> when pulling images from the pod.</a:t>
+            </a:r>
+          </a:p>
+          <a:p>
+            <a:r>
+              <a:rPr lang="en-US" dirty="0"/>
+              <a:t>    Secretes are also used by the Kubernetes control plane.</a:t>
+            </a:r>
+          </a:p>
+        </p:txBody>
+      </p:sp>
+      <p:sp>
+        <p:nvSpPr>
+          <p:cNvPr id="8" name="TextBox 7">
+            <a:extLst>
+              <a:ext uri="{FF2B5EF4-FFF2-40B4-BE49-F238E27FC236}">
+                <a16:creationId xmlns:a16="http://schemas.microsoft.com/office/drawing/2014/main" id="{DBC51D57-F1FB-8DFD-5D3E-A0CA2F9CC0A1}"/>
+              </a:ext>
+            </a:extLst>
+          </p:cNvPr>
+          <p:cNvSpPr txBox="1"/>
+          <p:nvPr/>
+        </p:nvSpPr>
+        <p:spPr>
+          <a:xfrm>
+            <a:off x="5008418" y="5993596"/>
+            <a:ext cx="4461164" cy="276999"/>
+          </a:xfrm>
+          <a:prstGeom prst="rect">
+            <a:avLst/>
+          </a:prstGeom>
+          <a:noFill/>
+        </p:spPr>
+        <p:txBody>
+          <a:bodyPr wrap="square">
+            <a:spAutoFit/>
+          </a:bodyPr>
+          <a:lstStyle/>
+          <a:p>
+            <a:r>
+              <a:rPr lang="ru-UA" sz="1200" dirty="0"/>
+              <a:t>https://www.geeksforgeeks.org/kubernetes-secrets/?ref=lbp</a:t>
+            </a:r>
+          </a:p>
+        </p:txBody>
+      </p:sp>
+    </p:spTree>
+    <p:extLst>
+      <p:ext uri="{BB962C8B-B14F-4D97-AF65-F5344CB8AC3E}">
+        <p14:creationId xmlns:p14="http://schemas.microsoft.com/office/powerpoint/2010/main" val="2438032746"/>
+      </p:ext>
+    </p:extLst>
+  </p:cSld>
+  <p:clrMapOvr>
+    <a:masterClrMapping/>
+  </p:clrMapOvr>
+</p:sld>
+</file>
+
 <file path=ppt/slides/slide2.xml><?xml version="1.0" encoding="utf-8"?>
 <p:sld xmlns:a="http://schemas.openxmlformats.org/drawingml/2006/main" xmlns:r="http://schemas.openxmlformats.org/officeDocument/2006/relationships" xmlns:p="http://schemas.openxmlformats.org/presentationml/2006/main">
   <p:cSld>
@@ -22575,14 +23084,14 @@
           <p:nvPr>
             <p:extLst>
               <p:ext uri="{D42A27DB-BD31-4B8C-83A1-F6EECF244321}">
-                <p14:modId xmlns:p14="http://schemas.microsoft.com/office/powerpoint/2010/main" val="1392802291"/>
+                <p14:modId xmlns:p14="http://schemas.microsoft.com/office/powerpoint/2010/main" val="9832357"/>
               </p:ext>
             </p:extLst>
           </p:nvPr>
         </p:nvGraphicFramePr>
         <p:xfrm>
-          <a:off x="4654732" y="2026920"/>
-          <a:ext cx="6390623" cy="3314007"/>
+          <a:off x="4654732" y="2945476"/>
+          <a:ext cx="6390623" cy="1514121"/>
         </p:xfrm>
         <a:graphic>
           <a:graphicData uri="http://schemas.openxmlformats.org/drawingml/2006/diagram">
@@ -22594,6 +23103,1041 @@
     <p:extLst>
       <p:ext uri="{BB962C8B-B14F-4D97-AF65-F5344CB8AC3E}">
         <p14:creationId xmlns:p14="http://schemas.microsoft.com/office/powerpoint/2010/main" val="2972731808"/>
+      </p:ext>
+    </p:extLst>
+  </p:cSld>
+  <p:clrMapOvr>
+    <a:masterClrMapping/>
+  </p:clrMapOvr>
+</p:sld>
+</file>
+
+<file path=ppt/slides/slide20.xml><?xml version="1.0" encoding="utf-8"?>
+<p:sld xmlns:a="http://schemas.openxmlformats.org/drawingml/2006/main" xmlns:r="http://schemas.openxmlformats.org/officeDocument/2006/relationships" xmlns:p="http://schemas.openxmlformats.org/presentationml/2006/main">
+  <p:cSld>
+    <p:bg>
+      <p:bgPr>
+        <a:solidFill>
+          <a:schemeClr val="bg1"/>
+        </a:solidFill>
+        <a:effectLst/>
+      </p:bgPr>
+    </p:bg>
+    <p:spTree>
+      <p:nvGrpSpPr>
+        <p:cNvPr id="1" name=""/>
+        <p:cNvGrpSpPr/>
+        <p:nvPr/>
+      </p:nvGrpSpPr>
+      <p:grpSpPr>
+        <a:xfrm>
+          <a:off x="0" y="0"/>
+          <a:ext cx="0" cy="0"/>
+          <a:chOff x="0" y="0"/>
+          <a:chExt cx="0" cy="0"/>
+        </a:xfrm>
+      </p:grpSpPr>
+      <p:sp>
+        <p:nvSpPr>
+          <p:cNvPr id="10" name="Down Arrow 7">
+            <a:extLst>
+              <a:ext uri="{FF2B5EF4-FFF2-40B4-BE49-F238E27FC236}">
+                <a16:creationId xmlns:a16="http://schemas.microsoft.com/office/drawing/2014/main" id="{D4771268-CB57-404A-9271-370EB28F6090}"/>
+              </a:ext>
+              <a:ext uri="{C183D7F6-B498-43B3-948B-1728B52AA6E4}">
+                <adec:decorative xmlns:adec="http://schemas.microsoft.com/office/drawing/2017/decorative" val="1"/>
+              </a:ext>
+            </a:extLst>
+          </p:cNvPr>
+          <p:cNvSpPr>
+            <a:spLocks noGrp="1" noRot="1" noChangeAspect="1" noMove="1" noResize="1" noEditPoints="1" noAdjustHandles="1" noChangeArrowheads="1" noChangeShapeType="1" noTextEdit="1"/>
+          </p:cNvSpPr>
+          <p:nvPr>
+            <p:extLst>
+              <p:ext uri="{386F3935-93C4-4BCD-93E2-E3B085C9AB24}">
+                <p16:designElem xmlns:p16="http://schemas.microsoft.com/office/powerpoint/2015/main" val="1"/>
+              </p:ext>
+            </p:extLst>
+          </p:nvPr>
+        </p:nvSpPr>
+        <p:spPr>
+          <a:xfrm rot="16200000">
+            <a:off x="800100" y="1491343"/>
+            <a:ext cx="3333749" cy="3499103"/>
+          </a:xfrm>
+          <a:prstGeom prst="downArrow">
+            <a:avLst>
+              <a:gd name="adj1" fmla="val 100000"/>
+              <a:gd name="adj2" fmla="val 15788"/>
+            </a:avLst>
+          </a:prstGeom>
+          <a:solidFill>
+            <a:srgbClr val="404040"/>
+          </a:solidFill>
+          <a:ln w="53975">
+            <a:noFill/>
+          </a:ln>
+        </p:spPr>
+        <p:style>
+          <a:lnRef idx="2">
+            <a:schemeClr val="accent1">
+              <a:shade val="50000"/>
+            </a:schemeClr>
+          </a:lnRef>
+          <a:fillRef idx="1">
+            <a:schemeClr val="accent1"/>
+          </a:fillRef>
+          <a:effectRef idx="0">
+            <a:schemeClr val="accent1"/>
+          </a:effectRef>
+          <a:fontRef idx="minor">
+            <a:schemeClr val="lt1"/>
+          </a:fontRef>
+        </p:style>
+        <p:txBody>
+          <a:bodyPr rtlCol="0" anchor="ctr"/>
+          <a:lstStyle/>
+          <a:p>
+            <a:pPr algn="ctr"/>
+            <a:endParaRPr lang="en-US"/>
+          </a:p>
+        </p:txBody>
+      </p:sp>
+      <p:sp>
+        <p:nvSpPr>
+          <p:cNvPr id="2" name="Title 1">
+            <a:extLst>
+              <a:ext uri="{FF2B5EF4-FFF2-40B4-BE49-F238E27FC236}">
+                <a16:creationId xmlns:a16="http://schemas.microsoft.com/office/drawing/2014/main" id="{53C5D828-9666-E312-B574-9FE965A7D6BE}"/>
+              </a:ext>
+            </a:extLst>
+          </p:cNvPr>
+          <p:cNvSpPr>
+            <a:spLocks noGrp="1"/>
+          </p:cNvSpPr>
+          <p:nvPr>
+            <p:ph type="title"/>
+          </p:nvPr>
+        </p:nvSpPr>
+        <p:spPr>
+          <a:xfrm>
+            <a:off x="1028700" y="1967266"/>
+            <a:ext cx="2628900" cy="2547257"/>
+          </a:xfrm>
+          <a:noFill/>
+        </p:spPr>
+        <p:txBody>
+          <a:bodyPr vert="horz" lIns="91440" tIns="45720" rIns="91440" bIns="45720" rtlCol="0" anchor="ctr">
+            <a:normAutofit/>
+          </a:bodyPr>
+          <a:lstStyle/>
+          <a:p>
+            <a:pPr algn="ctr"/>
+            <a:r>
+              <a:rPr lang="en-US" sz="3600" kern="1200" dirty="0">
+                <a:solidFill>
+                  <a:srgbClr val="FFFFFF"/>
+                </a:solidFill>
+                <a:latin typeface="+mj-lt"/>
+                <a:ea typeface="+mj-ea"/>
+                <a:cs typeface="+mj-cs"/>
+              </a:rPr>
+              <a:t>Kubernetes – </a:t>
+            </a:r>
+            <a:r>
+              <a:rPr lang="en-US" sz="3600" kern="1200">
+                <a:solidFill>
+                  <a:srgbClr val="FFFFFF"/>
+                </a:solidFill>
+                <a:latin typeface="+mj-lt"/>
+                <a:ea typeface="+mj-ea"/>
+                <a:cs typeface="+mj-cs"/>
+              </a:rPr>
+              <a:t>Secret</a:t>
+            </a:r>
+            <a:r>
+              <a:rPr lang="en-US" sz="3600" kern="1200" dirty="0">
+                <a:solidFill>
+                  <a:srgbClr val="FFFFFF"/>
+                </a:solidFill>
+                <a:latin typeface="+mj-lt"/>
+                <a:ea typeface="+mj-ea"/>
+                <a:cs typeface="+mj-cs"/>
+              </a:rPr>
+              <a:t>s</a:t>
+            </a:r>
+          </a:p>
+        </p:txBody>
+      </p:sp>
+      <p:sp>
+        <p:nvSpPr>
+          <p:cNvPr id="3" name="Footer Placeholder 2">
+            <a:extLst>
+              <a:ext uri="{FF2B5EF4-FFF2-40B4-BE49-F238E27FC236}">
+                <a16:creationId xmlns:a16="http://schemas.microsoft.com/office/drawing/2014/main" id="{5AA19FA0-A765-8169-03F1-928E3EF7B595}"/>
+              </a:ext>
+            </a:extLst>
+          </p:cNvPr>
+          <p:cNvSpPr>
+            <a:spLocks noGrp="1"/>
+          </p:cNvSpPr>
+          <p:nvPr>
+            <p:ph type="ftr" sz="quarter" idx="11"/>
+          </p:nvPr>
+        </p:nvSpPr>
+        <p:spPr>
+          <a:xfrm>
+            <a:off x="1028700" y="6356350"/>
+            <a:ext cx="6210300" cy="365125"/>
+          </a:xfrm>
+        </p:spPr>
+        <p:txBody>
+          <a:bodyPr vert="horz" lIns="91440" tIns="45720" rIns="91440" bIns="45720" rtlCol="0" anchor="ctr">
+            <a:normAutofit/>
+          </a:bodyPr>
+          <a:lstStyle/>
+          <a:p>
+            <a:pPr algn="l">
+              <a:spcAft>
+                <a:spcPts val="600"/>
+              </a:spcAft>
+            </a:pPr>
+            <a:r>
+              <a:rPr lang="en-US" kern="1200">
+                <a:solidFill>
+                  <a:schemeClr val="tx1">
+                    <a:alpha val="80000"/>
+                  </a:schemeClr>
+                </a:solidFill>
+                <a:latin typeface="+mn-lt"/>
+                <a:ea typeface="+mn-ea"/>
+                <a:cs typeface="+mn-cs"/>
+              </a:rPr>
+              <a:t>Step 8. Kubernetes - ver. 1</a:t>
+            </a:r>
+          </a:p>
+        </p:txBody>
+      </p:sp>
+      <p:pic>
+        <p:nvPicPr>
+          <p:cNvPr id="4" name="Picture 3">
+            <a:extLst>
+              <a:ext uri="{FF2B5EF4-FFF2-40B4-BE49-F238E27FC236}">
+                <a16:creationId xmlns:a16="http://schemas.microsoft.com/office/drawing/2014/main" id="{991A28E6-8AC9-2DA0-F3E9-AF706004D340}"/>
+              </a:ext>
+            </a:extLst>
+          </p:cNvPr>
+          <p:cNvPicPr>
+            <a:picLocks noChangeAspect="1"/>
+          </p:cNvPicPr>
+          <p:nvPr/>
+        </p:nvPicPr>
+        <p:blipFill>
+          <a:blip r:embed="rId2"/>
+          <a:stretch>
+            <a:fillRect/>
+          </a:stretch>
+        </p:blipFill>
+        <p:spPr>
+          <a:xfrm>
+            <a:off x="1991773" y="5150288"/>
+            <a:ext cx="702753" cy="678400"/>
+          </a:xfrm>
+          <a:prstGeom prst="rect">
+            <a:avLst/>
+          </a:prstGeom>
+        </p:spPr>
+      </p:pic>
+      <p:sp>
+        <p:nvSpPr>
+          <p:cNvPr id="9" name="TextBox 8">
+            <a:extLst>
+              <a:ext uri="{FF2B5EF4-FFF2-40B4-BE49-F238E27FC236}">
+                <a16:creationId xmlns:a16="http://schemas.microsoft.com/office/drawing/2014/main" id="{483DFA46-DDAD-B0EA-A1AE-57986D6DBB96}"/>
+              </a:ext>
+            </a:extLst>
+          </p:cNvPr>
+          <p:cNvSpPr txBox="1"/>
+          <p:nvPr/>
+        </p:nvSpPr>
+        <p:spPr>
+          <a:xfrm>
+            <a:off x="4927476" y="1028343"/>
+            <a:ext cx="6096000" cy="4801314"/>
+          </a:xfrm>
+          <a:prstGeom prst="rect">
+            <a:avLst/>
+          </a:prstGeom>
+          <a:noFill/>
+        </p:spPr>
+        <p:txBody>
+          <a:bodyPr wrap="square">
+            <a:spAutoFit/>
+          </a:bodyPr>
+          <a:lstStyle/>
+          <a:p>
+            <a:r>
+              <a:rPr lang="en-US" dirty="0"/>
+              <a:t>A service is a functionality that is by default disabled on the containers, pods, and nodes. We need to mention about specific service that we want to enable. Some of the services offered by the Kubernetes cluster are </a:t>
+            </a:r>
+            <a:r>
+              <a:rPr lang="en-US" dirty="0" err="1"/>
+              <a:t>NodePort</a:t>
+            </a:r>
+            <a:r>
+              <a:rPr lang="en-US" dirty="0"/>
+              <a:t> and Load Balancer services. We have discussed in detail the load balancer service below in the article.</a:t>
+            </a:r>
+          </a:p>
+          <a:p>
+            <a:r>
+              <a:rPr lang="en-US" dirty="0"/>
+              <a:t>Load Balancing Service</a:t>
+            </a:r>
+          </a:p>
+          <a:p>
+            <a:endParaRPr lang="en-US" dirty="0"/>
+          </a:p>
+          <a:p>
+            <a:r>
+              <a:rPr lang="en-US" dirty="0"/>
+              <a:t>Suppose we run a company and we want to hire some employees. We have shared a link on which interested candidates can share their resumes and book a slot for the interview. But our website can only handle about 10 people at a time. This can lead to the loss of great talent and eventually, this is a loss to the company. To solve this problem we needed load balancers. these load balancer launches a new clone website when the number of users reaches a certain limit and redirect those extra users to the newly created clone website.</a:t>
+            </a:r>
+            <a:endParaRPr lang="ru-UA" dirty="0"/>
+          </a:p>
+        </p:txBody>
+      </p:sp>
+      <p:sp>
+        <p:nvSpPr>
+          <p:cNvPr id="12" name="TextBox 11">
+            <a:extLst>
+              <a:ext uri="{FF2B5EF4-FFF2-40B4-BE49-F238E27FC236}">
+                <a16:creationId xmlns:a16="http://schemas.microsoft.com/office/drawing/2014/main" id="{88BAA70B-BAAA-EF77-C80C-5B2D5D61A419}"/>
+              </a:ext>
+            </a:extLst>
+          </p:cNvPr>
+          <p:cNvSpPr txBox="1"/>
+          <p:nvPr/>
+        </p:nvSpPr>
+        <p:spPr>
+          <a:xfrm>
+            <a:off x="4668982" y="6190059"/>
+            <a:ext cx="5140036" cy="276999"/>
+          </a:xfrm>
+          <a:prstGeom prst="rect">
+            <a:avLst/>
+          </a:prstGeom>
+          <a:noFill/>
+        </p:spPr>
+        <p:txBody>
+          <a:bodyPr wrap="square">
+            <a:spAutoFit/>
+          </a:bodyPr>
+          <a:lstStyle/>
+          <a:p>
+            <a:r>
+              <a:rPr lang="ru-UA" sz="1200" dirty="0"/>
+              <a:t>https://www.geeksforgeeks.org/kubernetes-load-balancing-service/?ref=lbp</a:t>
+            </a:r>
+          </a:p>
+        </p:txBody>
+      </p:sp>
+    </p:spTree>
+    <p:extLst>
+      <p:ext uri="{BB962C8B-B14F-4D97-AF65-F5344CB8AC3E}">
+        <p14:creationId xmlns:p14="http://schemas.microsoft.com/office/powerpoint/2010/main" val="3430162594"/>
+      </p:ext>
+    </p:extLst>
+  </p:cSld>
+  <p:clrMapOvr>
+    <a:masterClrMapping/>
+  </p:clrMapOvr>
+</p:sld>
+</file>
+
+<file path=ppt/slides/slide21.xml><?xml version="1.0" encoding="utf-8"?>
+<p:sld xmlns:a="http://schemas.openxmlformats.org/drawingml/2006/main" xmlns:r="http://schemas.openxmlformats.org/officeDocument/2006/relationships" xmlns:p="http://schemas.openxmlformats.org/presentationml/2006/main">
+  <p:cSld>
+    <p:bg>
+      <p:bgPr>
+        <a:solidFill>
+          <a:schemeClr val="bg1"/>
+        </a:solidFill>
+        <a:effectLst/>
+      </p:bgPr>
+    </p:bg>
+    <p:spTree>
+      <p:nvGrpSpPr>
+        <p:cNvPr id="1" name=""/>
+        <p:cNvGrpSpPr/>
+        <p:nvPr/>
+      </p:nvGrpSpPr>
+      <p:grpSpPr>
+        <a:xfrm>
+          <a:off x="0" y="0"/>
+          <a:ext cx="0" cy="0"/>
+          <a:chOff x="0" y="0"/>
+          <a:chExt cx="0" cy="0"/>
+        </a:xfrm>
+      </p:grpSpPr>
+      <p:sp>
+        <p:nvSpPr>
+          <p:cNvPr id="10" name="Down Arrow 7">
+            <a:extLst>
+              <a:ext uri="{FF2B5EF4-FFF2-40B4-BE49-F238E27FC236}">
+                <a16:creationId xmlns:a16="http://schemas.microsoft.com/office/drawing/2014/main" id="{D4771268-CB57-404A-9271-370EB28F6090}"/>
+              </a:ext>
+              <a:ext uri="{C183D7F6-B498-43B3-948B-1728B52AA6E4}">
+                <adec:decorative xmlns:adec="http://schemas.microsoft.com/office/drawing/2017/decorative" val="1"/>
+              </a:ext>
+            </a:extLst>
+          </p:cNvPr>
+          <p:cNvSpPr>
+            <a:spLocks noGrp="1" noRot="1" noChangeAspect="1" noMove="1" noResize="1" noEditPoints="1" noAdjustHandles="1" noChangeArrowheads="1" noChangeShapeType="1" noTextEdit="1"/>
+          </p:cNvSpPr>
+          <p:nvPr>
+            <p:extLst>
+              <p:ext uri="{386F3935-93C4-4BCD-93E2-E3B085C9AB24}">
+                <p16:designElem xmlns:p16="http://schemas.microsoft.com/office/powerpoint/2015/main" val="1"/>
+              </p:ext>
+            </p:extLst>
+          </p:nvPr>
+        </p:nvSpPr>
+        <p:spPr>
+          <a:xfrm rot="16200000">
+            <a:off x="800100" y="1491343"/>
+            <a:ext cx="3333749" cy="3499103"/>
+          </a:xfrm>
+          <a:prstGeom prst="downArrow">
+            <a:avLst>
+              <a:gd name="adj1" fmla="val 100000"/>
+              <a:gd name="adj2" fmla="val 15788"/>
+            </a:avLst>
+          </a:prstGeom>
+          <a:solidFill>
+            <a:srgbClr val="404040"/>
+          </a:solidFill>
+          <a:ln w="53975">
+            <a:noFill/>
+          </a:ln>
+        </p:spPr>
+        <p:style>
+          <a:lnRef idx="2">
+            <a:schemeClr val="accent1">
+              <a:shade val="50000"/>
+            </a:schemeClr>
+          </a:lnRef>
+          <a:fillRef idx="1">
+            <a:schemeClr val="accent1"/>
+          </a:fillRef>
+          <a:effectRef idx="0">
+            <a:schemeClr val="accent1"/>
+          </a:effectRef>
+          <a:fontRef idx="minor">
+            <a:schemeClr val="lt1"/>
+          </a:fontRef>
+        </p:style>
+        <p:txBody>
+          <a:bodyPr rtlCol="0" anchor="ctr"/>
+          <a:lstStyle/>
+          <a:p>
+            <a:pPr algn="ctr"/>
+            <a:endParaRPr lang="en-US"/>
+          </a:p>
+        </p:txBody>
+      </p:sp>
+      <p:sp>
+        <p:nvSpPr>
+          <p:cNvPr id="2" name="Title 1">
+            <a:extLst>
+              <a:ext uri="{FF2B5EF4-FFF2-40B4-BE49-F238E27FC236}">
+                <a16:creationId xmlns:a16="http://schemas.microsoft.com/office/drawing/2014/main" id="{53C5D828-9666-E312-B574-9FE965A7D6BE}"/>
+              </a:ext>
+            </a:extLst>
+          </p:cNvPr>
+          <p:cNvSpPr>
+            <a:spLocks noGrp="1"/>
+          </p:cNvSpPr>
+          <p:nvPr>
+            <p:ph type="title"/>
+          </p:nvPr>
+        </p:nvSpPr>
+        <p:spPr>
+          <a:xfrm>
+            <a:off x="1028700" y="1967266"/>
+            <a:ext cx="2628900" cy="2547257"/>
+          </a:xfrm>
+          <a:noFill/>
+        </p:spPr>
+        <p:txBody>
+          <a:bodyPr vert="horz" lIns="91440" tIns="45720" rIns="91440" bIns="45720" rtlCol="0" anchor="ctr">
+            <a:normAutofit/>
+          </a:bodyPr>
+          <a:lstStyle/>
+          <a:p>
+            <a:pPr algn="ctr"/>
+            <a:r>
+              <a:rPr lang="en-US" sz="3600" kern="1200" dirty="0">
+                <a:solidFill>
+                  <a:srgbClr val="FFFFFF"/>
+                </a:solidFill>
+                <a:latin typeface="+mj-lt"/>
+                <a:ea typeface="+mj-ea"/>
+                <a:cs typeface="+mj-cs"/>
+              </a:rPr>
+              <a:t>Kubernetes – </a:t>
+            </a:r>
+            <a:r>
+              <a:rPr lang="en-US" sz="3600" kern="1200">
+                <a:solidFill>
+                  <a:srgbClr val="FFFFFF"/>
+                </a:solidFill>
+                <a:latin typeface="+mj-lt"/>
+                <a:ea typeface="+mj-ea"/>
+                <a:cs typeface="+mj-cs"/>
+              </a:rPr>
+              <a:t>Service DNS</a:t>
+            </a:r>
+            <a:endParaRPr lang="en-US" sz="3600" kern="1200" dirty="0">
+              <a:solidFill>
+                <a:srgbClr val="FFFFFF"/>
+              </a:solidFill>
+              <a:latin typeface="+mj-lt"/>
+              <a:ea typeface="+mj-ea"/>
+              <a:cs typeface="+mj-cs"/>
+            </a:endParaRPr>
+          </a:p>
+        </p:txBody>
+      </p:sp>
+      <p:pic>
+        <p:nvPicPr>
+          <p:cNvPr id="5" name="Picture 4">
+            <a:extLst>
+              <a:ext uri="{FF2B5EF4-FFF2-40B4-BE49-F238E27FC236}">
+                <a16:creationId xmlns:a16="http://schemas.microsoft.com/office/drawing/2014/main" id="{973C29E6-2B0E-84B0-7B5B-A426B0585B3F}"/>
+              </a:ext>
+            </a:extLst>
+          </p:cNvPr>
+          <p:cNvPicPr>
+            <a:picLocks noChangeAspect="1"/>
+          </p:cNvPicPr>
+          <p:nvPr/>
+        </p:nvPicPr>
+        <p:blipFill>
+          <a:blip r:embed="rId2"/>
+          <a:stretch>
+            <a:fillRect/>
+          </a:stretch>
+        </p:blipFill>
+        <p:spPr>
+          <a:xfrm>
+            <a:off x="1438371" y="5167745"/>
+            <a:ext cx="1582548" cy="601368"/>
+          </a:xfrm>
+          <a:prstGeom prst="rect">
+            <a:avLst/>
+          </a:prstGeom>
+        </p:spPr>
+      </p:pic>
+      <p:sp>
+        <p:nvSpPr>
+          <p:cNvPr id="3" name="Footer Placeholder 2">
+            <a:extLst>
+              <a:ext uri="{FF2B5EF4-FFF2-40B4-BE49-F238E27FC236}">
+                <a16:creationId xmlns:a16="http://schemas.microsoft.com/office/drawing/2014/main" id="{5AA19FA0-A765-8169-03F1-928E3EF7B595}"/>
+              </a:ext>
+            </a:extLst>
+          </p:cNvPr>
+          <p:cNvSpPr>
+            <a:spLocks noGrp="1"/>
+          </p:cNvSpPr>
+          <p:nvPr>
+            <p:ph type="ftr" sz="quarter" idx="11"/>
+          </p:nvPr>
+        </p:nvSpPr>
+        <p:spPr>
+          <a:xfrm>
+            <a:off x="1028700" y="6356350"/>
+            <a:ext cx="6210300" cy="365125"/>
+          </a:xfrm>
+        </p:spPr>
+        <p:txBody>
+          <a:bodyPr vert="horz" lIns="91440" tIns="45720" rIns="91440" bIns="45720" rtlCol="0" anchor="ctr">
+            <a:normAutofit/>
+          </a:bodyPr>
+          <a:lstStyle/>
+          <a:p>
+            <a:pPr algn="l">
+              <a:spcAft>
+                <a:spcPts val="600"/>
+              </a:spcAft>
+            </a:pPr>
+            <a:r>
+              <a:rPr lang="en-US" kern="1200">
+                <a:solidFill>
+                  <a:schemeClr val="tx1">
+                    <a:alpha val="80000"/>
+                  </a:schemeClr>
+                </a:solidFill>
+                <a:latin typeface="+mn-lt"/>
+                <a:ea typeface="+mn-ea"/>
+                <a:cs typeface="+mn-cs"/>
+              </a:rPr>
+              <a:t>Step 8. Kubernetes - ver. 1</a:t>
+            </a:r>
+          </a:p>
+        </p:txBody>
+      </p:sp>
+      <p:sp>
+        <p:nvSpPr>
+          <p:cNvPr id="6" name="TextBox 5">
+            <a:extLst>
+              <a:ext uri="{FF2B5EF4-FFF2-40B4-BE49-F238E27FC236}">
+                <a16:creationId xmlns:a16="http://schemas.microsoft.com/office/drawing/2014/main" id="{C7E2D26A-2ACF-C37E-03E5-B7B57A5A9F6D}"/>
+              </a:ext>
+            </a:extLst>
+          </p:cNvPr>
+          <p:cNvSpPr txBox="1"/>
+          <p:nvPr/>
+        </p:nvSpPr>
+        <p:spPr>
+          <a:xfrm>
+            <a:off x="4527804" y="797510"/>
+            <a:ext cx="6946774" cy="5047536"/>
+          </a:xfrm>
+          <a:prstGeom prst="rect">
+            <a:avLst/>
+          </a:prstGeom>
+          <a:noFill/>
+        </p:spPr>
+        <p:txBody>
+          <a:bodyPr wrap="square">
+            <a:spAutoFit/>
+          </a:bodyPr>
+          <a:lstStyle/>
+          <a:p>
+            <a:r>
+              <a:rPr lang="en-US" sz="1400" dirty="0"/>
+              <a:t>Services DNS</a:t>
+            </a:r>
+          </a:p>
+          <a:p>
+            <a:endParaRPr lang="en-US" sz="1400" dirty="0"/>
+          </a:p>
+          <a:p>
+            <a:r>
+              <a:rPr lang="en-US" sz="1400" dirty="0"/>
+              <a:t>In Kubernetes DNS record is created for both Services and Pods. we can use consistent DNS names instead of IP addresses to contact services. After scheduling a DNS Pod and Service on the cluster, Kubernetes DNS instructs the </a:t>
+            </a:r>
+            <a:r>
+              <a:rPr lang="en-US" sz="1400" dirty="0" err="1"/>
+              <a:t>kubelets</a:t>
+            </a:r>
+            <a:r>
+              <a:rPr lang="en-US" sz="1400" dirty="0"/>
+              <a:t> to tell the individual containers to use the DNS Service’s IP to resolve DNS names. Every service that is defined in a cluster is given a DNS name, this includes the DNS server itself. The client Pod’s search list will include the Pod’s own name and cluster definition by default. </a:t>
+            </a:r>
+          </a:p>
+          <a:p>
+            <a:endParaRPr lang="en-US" sz="1400" dirty="0"/>
+          </a:p>
+          <a:p>
+            <a:r>
+              <a:rPr lang="en-US" sz="1400" dirty="0"/>
+              <a:t>Services Namespaces</a:t>
+            </a:r>
+          </a:p>
+          <a:p>
+            <a:endParaRPr lang="en-US" sz="1400" dirty="0"/>
+          </a:p>
+          <a:p>
+            <a:r>
+              <a:rPr lang="en-US" sz="1400" dirty="0"/>
+              <a:t>A DNS query may return different results. The returned value is based on the namespace of the Pod that is making it. It is not specified by DNS queries that the namespace is limited to DNS queries. Think of a data service in the prod namespace and a pod in the test namespace. Due to the usage of the pod’s test name case, a query for data yields no results, while a query for data does. Prod produces the desired outcome because the namespace is provided there.</a:t>
+            </a:r>
+          </a:p>
+          <a:p>
+            <a:endParaRPr lang="en-US" sz="1400" dirty="0"/>
+          </a:p>
+          <a:p>
+            <a:r>
+              <a:rPr lang="en-US" sz="1400" dirty="0"/>
+              <a:t>Kubernetes Implementation</a:t>
+            </a:r>
+          </a:p>
+          <a:p>
+            <a:endParaRPr lang="en-US" sz="1400" dirty="0"/>
+          </a:p>
+          <a:p>
+            <a:r>
+              <a:rPr lang="en-US" sz="1400" dirty="0"/>
+              <a:t>we can set up a DNS system with two well-supported add-ons namely </a:t>
+            </a:r>
+            <a:r>
+              <a:rPr lang="en-US" sz="1400" dirty="0" err="1"/>
+              <a:t>CoreDNS</a:t>
+            </a:r>
+            <a:r>
+              <a:rPr lang="en-US" sz="1400" dirty="0"/>
+              <a:t> and </a:t>
+            </a:r>
+            <a:r>
+              <a:rPr lang="en-US" sz="1400" dirty="0" err="1"/>
+              <a:t>KubeDNS</a:t>
+            </a:r>
+            <a:r>
+              <a:rPr lang="en-US" sz="1400" dirty="0"/>
+              <a:t>. The </a:t>
+            </a:r>
+            <a:r>
+              <a:rPr lang="en-US" sz="1400" dirty="0" err="1"/>
+              <a:t>CoreDNS</a:t>
+            </a:r>
+            <a:r>
+              <a:rPr lang="en-US" sz="1400" dirty="0"/>
+              <a:t> feature is one of the best and latest add on and it acts as a default DNS server. Both the add-ons can schedule a DNS pod or pods or services with a static IO on the cluster and both are named as </a:t>
+            </a:r>
+            <a:r>
+              <a:rPr lang="en-US" sz="1400" dirty="0" err="1"/>
+              <a:t>kube</a:t>
+            </a:r>
+            <a:r>
+              <a:rPr lang="en-US" sz="1400" dirty="0"/>
+              <a:t> </a:t>
+            </a:r>
+            <a:r>
+              <a:rPr lang="en-US" sz="1400" dirty="0" err="1"/>
+              <a:t>dns</a:t>
+            </a:r>
+            <a:r>
+              <a:rPr lang="en-US" sz="1400" dirty="0"/>
+              <a:t> in the metadata. name field. </a:t>
+            </a:r>
+            <a:endParaRPr lang="ru-UA" sz="1400" dirty="0"/>
+          </a:p>
+        </p:txBody>
+      </p:sp>
+      <p:sp>
+        <p:nvSpPr>
+          <p:cNvPr id="8" name="TextBox 7">
+            <a:extLst>
+              <a:ext uri="{FF2B5EF4-FFF2-40B4-BE49-F238E27FC236}">
+                <a16:creationId xmlns:a16="http://schemas.microsoft.com/office/drawing/2014/main" id="{332D2D0C-5936-5FAF-1EF5-E538E56238E1}"/>
+              </a:ext>
+            </a:extLst>
+          </p:cNvPr>
+          <p:cNvSpPr txBox="1"/>
+          <p:nvPr/>
+        </p:nvSpPr>
+        <p:spPr>
+          <a:xfrm>
+            <a:off x="4552881" y="6190058"/>
+            <a:ext cx="4599709" cy="276999"/>
+          </a:xfrm>
+          <a:prstGeom prst="rect">
+            <a:avLst/>
+          </a:prstGeom>
+          <a:noFill/>
+        </p:spPr>
+        <p:txBody>
+          <a:bodyPr wrap="square">
+            <a:spAutoFit/>
+          </a:bodyPr>
+          <a:lstStyle/>
+          <a:p>
+            <a:r>
+              <a:rPr lang="ru-UA" sz="1200" dirty="0"/>
+              <a:t>https://www.geeksforgeeks.org/kubernetes-service-dns/?ref=lbp</a:t>
+            </a:r>
+          </a:p>
+        </p:txBody>
+      </p:sp>
+    </p:spTree>
+    <p:extLst>
+      <p:ext uri="{BB962C8B-B14F-4D97-AF65-F5344CB8AC3E}">
+        <p14:creationId xmlns:p14="http://schemas.microsoft.com/office/powerpoint/2010/main" val="4159126741"/>
+      </p:ext>
+    </p:extLst>
+  </p:cSld>
+  <p:clrMapOvr>
+    <a:masterClrMapping/>
+  </p:clrMapOvr>
+</p:sld>
+</file>
+
+<file path=ppt/slides/slide22.xml><?xml version="1.0" encoding="utf-8"?>
+<p:sld xmlns:a="http://schemas.openxmlformats.org/drawingml/2006/main" xmlns:r="http://schemas.openxmlformats.org/officeDocument/2006/relationships" xmlns:p="http://schemas.openxmlformats.org/presentationml/2006/main">
+  <p:cSld>
+    <p:bg>
+      <p:bgPr>
+        <a:solidFill>
+          <a:schemeClr val="bg1"/>
+        </a:solidFill>
+        <a:effectLst/>
+      </p:bgPr>
+    </p:bg>
+    <p:spTree>
+      <p:nvGrpSpPr>
+        <p:cNvPr id="1" name=""/>
+        <p:cNvGrpSpPr/>
+        <p:nvPr/>
+      </p:nvGrpSpPr>
+      <p:grpSpPr>
+        <a:xfrm>
+          <a:off x="0" y="0"/>
+          <a:ext cx="0" cy="0"/>
+          <a:chOff x="0" y="0"/>
+          <a:chExt cx="0" cy="0"/>
+        </a:xfrm>
+      </p:grpSpPr>
+      <p:sp>
+        <p:nvSpPr>
+          <p:cNvPr id="11" name="Down Arrow 7">
+            <a:extLst>
+              <a:ext uri="{FF2B5EF4-FFF2-40B4-BE49-F238E27FC236}">
+                <a16:creationId xmlns:a16="http://schemas.microsoft.com/office/drawing/2014/main" id="{D4771268-CB57-404A-9271-370EB28F6090}"/>
+              </a:ext>
+              <a:ext uri="{C183D7F6-B498-43B3-948B-1728B52AA6E4}">
+                <adec:decorative xmlns:adec="http://schemas.microsoft.com/office/drawing/2017/decorative" val="1"/>
+              </a:ext>
+            </a:extLst>
+          </p:cNvPr>
+          <p:cNvSpPr>
+            <a:spLocks noGrp="1" noRot="1" noChangeAspect="1" noMove="1" noResize="1" noEditPoints="1" noAdjustHandles="1" noChangeArrowheads="1" noChangeShapeType="1" noTextEdit="1"/>
+          </p:cNvSpPr>
+          <p:nvPr>
+            <p:extLst>
+              <p:ext uri="{386F3935-93C4-4BCD-93E2-E3B085C9AB24}">
+                <p16:designElem xmlns:p16="http://schemas.microsoft.com/office/powerpoint/2015/main" val="1"/>
+              </p:ext>
+            </p:extLst>
+          </p:nvPr>
+        </p:nvSpPr>
+        <p:spPr>
+          <a:xfrm rot="16200000">
+            <a:off x="800100" y="1491343"/>
+            <a:ext cx="3333749" cy="3499103"/>
+          </a:xfrm>
+          <a:prstGeom prst="downArrow">
+            <a:avLst>
+              <a:gd name="adj1" fmla="val 100000"/>
+              <a:gd name="adj2" fmla="val 15788"/>
+            </a:avLst>
+          </a:prstGeom>
+          <a:solidFill>
+            <a:srgbClr val="404040"/>
+          </a:solidFill>
+          <a:ln w="53975">
+            <a:noFill/>
+          </a:ln>
+        </p:spPr>
+        <p:style>
+          <a:lnRef idx="2">
+            <a:schemeClr val="accent1">
+              <a:shade val="50000"/>
+            </a:schemeClr>
+          </a:lnRef>
+          <a:fillRef idx="1">
+            <a:schemeClr val="accent1"/>
+          </a:fillRef>
+          <a:effectRef idx="0">
+            <a:schemeClr val="accent1"/>
+          </a:effectRef>
+          <a:fontRef idx="minor">
+            <a:schemeClr val="lt1"/>
+          </a:fontRef>
+        </p:style>
+        <p:txBody>
+          <a:bodyPr rtlCol="0" anchor="ctr"/>
+          <a:lstStyle/>
+          <a:p>
+            <a:pPr algn="ctr"/>
+            <a:endParaRPr lang="en-US"/>
+          </a:p>
+        </p:txBody>
+      </p:sp>
+      <p:sp>
+        <p:nvSpPr>
+          <p:cNvPr id="2" name="Title 1">
+            <a:extLst>
+              <a:ext uri="{FF2B5EF4-FFF2-40B4-BE49-F238E27FC236}">
+                <a16:creationId xmlns:a16="http://schemas.microsoft.com/office/drawing/2014/main" id="{53C5D828-9666-E312-B574-9FE965A7D6BE}"/>
+              </a:ext>
+            </a:extLst>
+          </p:cNvPr>
+          <p:cNvSpPr>
+            <a:spLocks noGrp="1"/>
+          </p:cNvSpPr>
+          <p:nvPr>
+            <p:ph type="title"/>
+          </p:nvPr>
+        </p:nvSpPr>
+        <p:spPr>
+          <a:xfrm>
+            <a:off x="1028700" y="1967266"/>
+            <a:ext cx="2628900" cy="2547257"/>
+          </a:xfrm>
+          <a:noFill/>
+        </p:spPr>
+        <p:txBody>
+          <a:bodyPr vert="horz" lIns="91440" tIns="45720" rIns="91440" bIns="45720" rtlCol="0" anchor="ctr">
+            <a:normAutofit/>
+          </a:bodyPr>
+          <a:lstStyle/>
+          <a:p>
+            <a:pPr algn="ctr"/>
+            <a:r>
+              <a:rPr lang="en-US" sz="3600" kern="1200" dirty="0">
+                <a:solidFill>
+                  <a:srgbClr val="FFFFFF"/>
+                </a:solidFill>
+                <a:latin typeface="+mj-lt"/>
+                <a:ea typeface="+mj-ea"/>
+                <a:cs typeface="+mj-cs"/>
+              </a:rPr>
+              <a:t>Kubernetes – </a:t>
+            </a:r>
+            <a:r>
+              <a:rPr lang="en-US" sz="3600" kern="1200">
+                <a:solidFill>
+                  <a:srgbClr val="FFFFFF"/>
+                </a:solidFill>
+                <a:latin typeface="+mj-lt"/>
+                <a:ea typeface="+mj-ea"/>
+                <a:cs typeface="+mj-cs"/>
+              </a:rPr>
+              <a:t>Demo</a:t>
+            </a:r>
+            <a:endParaRPr lang="en-US" sz="3600" kern="1200" dirty="0">
+              <a:solidFill>
+                <a:srgbClr val="FFFFFF"/>
+              </a:solidFill>
+              <a:latin typeface="+mj-lt"/>
+              <a:ea typeface="+mj-ea"/>
+              <a:cs typeface="+mj-cs"/>
+            </a:endParaRPr>
+          </a:p>
+        </p:txBody>
+      </p:sp>
+      <p:pic>
+        <p:nvPicPr>
+          <p:cNvPr id="6" name="Picture 5">
+            <a:extLst>
+              <a:ext uri="{FF2B5EF4-FFF2-40B4-BE49-F238E27FC236}">
+                <a16:creationId xmlns:a16="http://schemas.microsoft.com/office/drawing/2014/main" id="{A3571683-0A9A-4135-6285-8210F80901C7}"/>
+              </a:ext>
+            </a:extLst>
+          </p:cNvPr>
+          <p:cNvPicPr>
+            <a:picLocks noChangeAspect="1"/>
+          </p:cNvPicPr>
+          <p:nvPr/>
+        </p:nvPicPr>
+        <p:blipFill>
+          <a:blip r:embed="rId2"/>
+          <a:stretch>
+            <a:fillRect/>
+          </a:stretch>
+        </p:blipFill>
+        <p:spPr>
+          <a:xfrm>
+            <a:off x="1857848" y="5092443"/>
+            <a:ext cx="719488" cy="539616"/>
+          </a:xfrm>
+          <a:prstGeom prst="rect">
+            <a:avLst/>
+          </a:prstGeom>
+        </p:spPr>
+      </p:pic>
+      <p:sp>
+        <p:nvSpPr>
+          <p:cNvPr id="3" name="Footer Placeholder 2">
+            <a:extLst>
+              <a:ext uri="{FF2B5EF4-FFF2-40B4-BE49-F238E27FC236}">
+                <a16:creationId xmlns:a16="http://schemas.microsoft.com/office/drawing/2014/main" id="{5AA19FA0-A765-8169-03F1-928E3EF7B595}"/>
+              </a:ext>
+            </a:extLst>
+          </p:cNvPr>
+          <p:cNvSpPr>
+            <a:spLocks noGrp="1"/>
+          </p:cNvSpPr>
+          <p:nvPr>
+            <p:ph type="ftr" sz="quarter" idx="11"/>
+          </p:nvPr>
+        </p:nvSpPr>
+        <p:spPr>
+          <a:xfrm>
+            <a:off x="1028700" y="6356350"/>
+            <a:ext cx="6210300" cy="365125"/>
+          </a:xfrm>
+        </p:spPr>
+        <p:txBody>
+          <a:bodyPr vert="horz" lIns="91440" tIns="45720" rIns="91440" bIns="45720" rtlCol="0" anchor="ctr">
+            <a:normAutofit/>
+          </a:bodyPr>
+          <a:lstStyle/>
+          <a:p>
+            <a:pPr algn="l">
+              <a:spcAft>
+                <a:spcPts val="600"/>
+              </a:spcAft>
+            </a:pPr>
+            <a:r>
+              <a:rPr lang="en-US" kern="1200">
+                <a:solidFill>
+                  <a:schemeClr val="tx1">
+                    <a:alpha val="80000"/>
+                  </a:schemeClr>
+                </a:solidFill>
+                <a:latin typeface="+mn-lt"/>
+                <a:ea typeface="+mn-ea"/>
+                <a:cs typeface="+mn-cs"/>
+              </a:rPr>
+              <a:t>Step 8. Kubernetes - ver. 1</a:t>
+            </a:r>
+          </a:p>
+        </p:txBody>
+      </p:sp>
+      <p:sp>
+        <p:nvSpPr>
+          <p:cNvPr id="4" name="TextBox 3">
+            <a:extLst>
+              <a:ext uri="{FF2B5EF4-FFF2-40B4-BE49-F238E27FC236}">
+                <a16:creationId xmlns:a16="http://schemas.microsoft.com/office/drawing/2014/main" id="{E5BDE93A-CE74-428A-C203-8A4FC86B685D}"/>
+              </a:ext>
+            </a:extLst>
+          </p:cNvPr>
+          <p:cNvSpPr txBox="1"/>
+          <p:nvPr/>
+        </p:nvSpPr>
+        <p:spPr>
+          <a:xfrm>
+            <a:off x="7051963" y="3056228"/>
+            <a:ext cx="788999" cy="369332"/>
+          </a:xfrm>
+          <a:prstGeom prst="rect">
+            <a:avLst/>
+          </a:prstGeom>
+          <a:noFill/>
+        </p:spPr>
+        <p:txBody>
+          <a:bodyPr wrap="none" rtlCol="0">
+            <a:spAutoFit/>
+          </a:bodyPr>
+          <a:lstStyle/>
+          <a:p>
+            <a:r>
+              <a:rPr lang="en-US" dirty="0"/>
+              <a:t>DEMO</a:t>
+            </a:r>
+            <a:endParaRPr lang="ru-UA" dirty="0"/>
+          </a:p>
+        </p:txBody>
+      </p:sp>
+    </p:spTree>
+    <p:extLst>
+      <p:ext uri="{BB962C8B-B14F-4D97-AF65-F5344CB8AC3E}">
+        <p14:creationId xmlns:p14="http://schemas.microsoft.com/office/powerpoint/2010/main" val="3987160844"/>
       </p:ext>
     </p:extLst>
   </p:cSld>
